--- a/Documentacao/ModelagemSistema_TemplateInicial [Salvo automaticamente].pptx
+++ b/Documentacao/ModelagemSistema_TemplateInicial [Salvo automaticamente].pptx
@@ -221,7 +221,7 @@
           <a:p>
             <a:fld id="{93DDA81E-B6DD-4CA0-9C2D-B0C27B95DC2C}" type="datetimeFigureOut">
               <a:rPr lang="pt-BR" smtClean="0"/>
-              <a:t>10/02/2025</a:t>
+              <a:t>09/06/2025</a:t>
             </a:fld>
             <a:endParaRPr lang="pt-BR"/>
           </a:p>
@@ -3068,7 +3068,7 @@
           <a:p>
             <a:fld id="{C128FA71-3A18-48C0-980F-4B68F7F63042}" type="datetime1">
               <a:rPr lang="en-US" smtClean="0"/>
-              <a:t>2/10/2025</a:t>
+              <a:t>6/9/2025</a:t>
             </a:fld>
             <a:endParaRPr lang="en-US"/>
           </a:p>
@@ -3276,7 +3276,7 @@
           <a:p>
             <a:fld id="{7104EDB3-C0E8-45F8-9E1D-1B6C8D1880C0}" type="datetime1">
               <a:rPr lang="en-US" smtClean="0"/>
-              <a:t>2/10/2025</a:t>
+              <a:t>6/9/2025</a:t>
             </a:fld>
             <a:endParaRPr lang="en-US"/>
           </a:p>
@@ -3486,7 +3486,7 @@
           <a:p>
             <a:fld id="{9CF0EC4B-54ED-4041-B552-9BA760FA3DBA}" type="datetime1">
               <a:rPr lang="en-US" smtClean="0"/>
-              <a:t>2/10/2025</a:t>
+              <a:t>6/9/2025</a:t>
             </a:fld>
             <a:endParaRPr lang="en-US"/>
           </a:p>
@@ -3684,7 +3684,7 @@
           <a:p>
             <a:fld id="{51C1210E-201E-4473-82AC-2466F5386C38}" type="datetime1">
               <a:rPr lang="en-US" smtClean="0"/>
-              <a:t>2/10/2025</a:t>
+              <a:t>6/9/2025</a:t>
             </a:fld>
             <a:endParaRPr lang="en-US"/>
           </a:p>
@@ -3962,7 +3962,7 @@
           <a:p>
             <a:fld id="{B01EA198-6CAB-4B8F-B93F-1F9C8C4B6CE7}" type="datetime1">
               <a:rPr lang="en-US" smtClean="0"/>
-              <a:t>2/10/2025</a:t>
+              <a:t>6/9/2025</a:t>
             </a:fld>
             <a:endParaRPr lang="en-US"/>
           </a:p>
@@ -4234,7 +4234,7 @@
           <a:p>
             <a:fld id="{CA06041F-4525-44D5-AA4F-332294BF1F56}" type="datetime1">
               <a:rPr lang="en-US" smtClean="0"/>
-              <a:t>2/10/2025</a:t>
+              <a:t>6/9/2025</a:t>
             </a:fld>
             <a:endParaRPr lang="en-US"/>
           </a:p>
@@ -4658,7 +4658,7 @@
           <a:p>
             <a:fld id="{F9557091-BBDF-4EB9-BA6B-2BB67AC4FC0F}" type="datetime1">
               <a:rPr lang="en-US" smtClean="0"/>
-              <a:t>2/10/2025</a:t>
+              <a:t>6/9/2025</a:t>
             </a:fld>
             <a:endParaRPr lang="en-US"/>
           </a:p>
@@ -4799,7 +4799,7 @@
           <a:p>
             <a:fld id="{2D6B226B-77A6-410C-9796-083F278E0125}" type="datetime1">
               <a:rPr lang="en-US" smtClean="0"/>
-              <a:t>2/10/2025</a:t>
+              <a:t>6/9/2025</a:t>
             </a:fld>
             <a:endParaRPr lang="en-US"/>
           </a:p>
@@ -4912,7 +4912,7 @@
           <a:p>
             <a:fld id="{A23A578B-D289-4C40-8593-3D356C49DA58}" type="datetime1">
               <a:rPr lang="en-US" smtClean="0"/>
-              <a:t>2/10/2025</a:t>
+              <a:t>6/9/2025</a:t>
             </a:fld>
             <a:endParaRPr lang="en-US"/>
           </a:p>
@@ -5231,7 +5231,7 @@
           <a:p>
             <a:fld id="{713DFAE3-14DB-48A7-A80F-80DDB072CE3D}" type="datetime1">
               <a:rPr lang="en-US" smtClean="0"/>
-              <a:t>2/10/2025</a:t>
+              <a:t>6/9/2025</a:t>
             </a:fld>
             <a:endParaRPr lang="en-US"/>
           </a:p>
@@ -5525,7 +5525,7 @@
           <a:p>
             <a:fld id="{92C5EAEF-6478-4102-8F5D-A5FE9FC97ACB}" type="datetime1">
               <a:rPr lang="en-US" smtClean="0"/>
-              <a:t>2/10/2025</a:t>
+              <a:t>6/9/2025</a:t>
             </a:fld>
             <a:endParaRPr lang="en-US"/>
           </a:p>
@@ -5766,7 +5766,7 @@
           <a:p>
             <a:fld id="{67F45AC6-C491-4585-A584-9CE2AF7D5500}" type="datetime1">
               <a:rPr lang="en-US" smtClean="0"/>
-              <a:t>2/10/2025</a:t>
+              <a:t>6/9/2025</a:t>
             </a:fld>
             <a:endParaRPr lang="en-US"/>
           </a:p>
@@ -6196,7 +6196,7 @@
                 <a16:creationId xmlns:a16="http://schemas.microsoft.com/office/drawing/2014/main" id="{6E448DB1-4196-18A6-15DA-C72635C1B11E}"/>
               </a:ext>
               <a:ext uri="{C183D7F6-B498-43B3-948B-1728B52AA6E4}">
-                <adec:decorative xmlns:adec="http://schemas.microsoft.com/office/drawing/2017/decorative" xmlns="" val="1"/>
+                <adec:decorative xmlns="" xmlns:adec="http://schemas.microsoft.com/office/drawing/2017/decorative" val="1"/>
               </a:ext>
             </a:extLst>
           </p:cNvPr>
@@ -6304,7 +6304,7 @@
                 <a16:creationId xmlns:a16="http://schemas.microsoft.com/office/drawing/2014/main" id="{76A10D8F-D463-70E5-239B-17AD65EF433D}"/>
               </a:ext>
               <a:ext uri="{C183D7F6-B498-43B3-948B-1728B52AA6E4}">
-                <adec:decorative xmlns:adec="http://schemas.microsoft.com/office/drawing/2017/decorative" xmlns="" val="1"/>
+                <adec:decorative xmlns="" xmlns:adec="http://schemas.microsoft.com/office/drawing/2017/decorative" val="1"/>
               </a:ext>
             </a:extLst>
           </p:cNvPr>
@@ -6483,9 +6483,22 @@
           <a:p>
             <a:pPr algn="l"/>
             <a:r>
+              <a:rPr lang="pt-BR" sz="2200" dirty="0" err="1" smtClean="0"/>
+              <a:t>Júllia</a:t>
+            </a:r>
+            <a:r>
+              <a:rPr lang="pt-BR" sz="2200" dirty="0" smtClean="0"/>
+              <a:t> </a:t>
+            </a:r>
+            <a:r>
               <a:rPr lang="pt-BR" sz="2200" dirty="0"/>
-              <a:t>Nome do Aluno</a:t>
-            </a:r>
+              <a:t>R</a:t>
+            </a:r>
+            <a:r>
+              <a:rPr lang="pt-BR" sz="2200" dirty="0" smtClean="0"/>
+              <a:t>ebeca</a:t>
+            </a:r>
+            <a:endParaRPr lang="pt-BR" sz="2200" dirty="0"/>
           </a:p>
         </p:txBody>
       </p:sp>
@@ -6765,7 +6778,7 @@
                 <a16:creationId xmlns:a16="http://schemas.microsoft.com/office/drawing/2014/main" id="{74EA76C7-8C08-E029-0E79-750B71C94A62}"/>
               </a:ext>
               <a:ext uri="{C183D7F6-B498-43B3-948B-1728B52AA6E4}">
-                <adec:decorative xmlns:adec="http://schemas.microsoft.com/office/drawing/2017/decorative" xmlns="" val="1"/>
+                <adec:decorative xmlns="" xmlns:adec="http://schemas.microsoft.com/office/drawing/2017/decorative" val="1"/>
               </a:ext>
             </a:extLst>
           </p:cNvPr>
@@ -6904,7 +6917,7 @@
             <p:ph sz="half" idx="2"/>
             <p:extLst>
               <p:ext uri="{E7BDC344-281C-4309-B0C6-D0EE65EED2A8}">
-                <p202:designPr xmlns:p202="http://schemas.microsoft.com/office/powerpoint/2020/02/main" xmlns="">
+                <p202:designPr xmlns="" xmlns:p202="http://schemas.microsoft.com/office/powerpoint/2020/02/main">
                   <p202:designTagLst>
                     <p202:designTag name="ARCH:1:CLS" val="InformationBlock"/>
                     <p202:designTag name="ARCH:1:VSVAR" val="TitledTextBox"/>
@@ -7200,7 +7213,7 @@
                 <a16:creationId xmlns:a16="http://schemas.microsoft.com/office/drawing/2014/main" id="{74EA76C7-8C08-E029-0E79-750B71C94A62}"/>
               </a:ext>
               <a:ext uri="{C183D7F6-B498-43B3-948B-1728B52AA6E4}">
-                <adec:decorative xmlns:adec="http://schemas.microsoft.com/office/drawing/2017/decorative" xmlns="" val="1"/>
+                <adec:decorative xmlns="" xmlns:adec="http://schemas.microsoft.com/office/drawing/2017/decorative" val="1"/>
               </a:ext>
             </a:extLst>
           </p:cNvPr>
@@ -7961,7 +7974,7 @@
                 <a16:creationId xmlns:a16="http://schemas.microsoft.com/office/drawing/2014/main" id="{5E8D3B17-7638-DFD3-18E4-8A6D611749CF}"/>
               </a:ext>
               <a:ext uri="{C183D7F6-B498-43B3-948B-1728B52AA6E4}">
-                <adec:decorative xmlns:adec="http://schemas.microsoft.com/office/drawing/2017/decorative" xmlns="" val="1"/>
+                <adec:decorative xmlns="" xmlns:adec="http://schemas.microsoft.com/office/drawing/2017/decorative" val="1"/>
               </a:ext>
             </a:extLst>
           </p:cNvPr>
@@ -8396,7 +8409,7 @@
                 <a16:creationId xmlns:a16="http://schemas.microsoft.com/office/drawing/2014/main" id="{B8ADE68D-5E75-5D63-4B8C-6BEFCE9D06E3}"/>
               </a:ext>
               <a:ext uri="{C183D7F6-B498-43B3-948B-1728B52AA6E4}">
-                <adec:decorative xmlns:adec="http://schemas.microsoft.com/office/drawing/2017/decorative" xmlns="" val="1"/>
+                <adec:decorative xmlns="" xmlns:adec="http://schemas.microsoft.com/office/drawing/2017/decorative" val="1"/>
               </a:ext>
             </a:extLst>
           </p:cNvPr>
@@ -11120,7 +11133,7 @@
                 <a16:creationId xmlns:a16="http://schemas.microsoft.com/office/drawing/2014/main" id="{8450EF29-A29A-9417-2B09-074C04064425}"/>
               </a:ext>
               <a:ext uri="{C183D7F6-B498-43B3-948B-1728B52AA6E4}">
-                <adec:decorative xmlns:adec="http://schemas.microsoft.com/office/drawing/2017/decorative" xmlns="" val="1"/>
+                <adec:decorative xmlns="" xmlns:adec="http://schemas.microsoft.com/office/drawing/2017/decorative" val="1"/>
               </a:ext>
             </a:extLst>
           </p:cNvPr>
@@ -11777,7 +11790,7 @@
                 <a16:creationId xmlns:a16="http://schemas.microsoft.com/office/drawing/2014/main" id="{8450EF29-A29A-9417-2B09-074C04064425}"/>
               </a:ext>
               <a:ext uri="{C183D7F6-B498-43B3-948B-1728B52AA6E4}">
-                <adec:decorative xmlns:adec="http://schemas.microsoft.com/office/drawing/2017/decorative" xmlns="" val="1"/>
+                <adec:decorative xmlns="" xmlns:adec="http://schemas.microsoft.com/office/drawing/2017/decorative" val="1"/>
               </a:ext>
             </a:extLst>
           </p:cNvPr>
@@ -12469,7 +12482,7 @@
                 <a16:creationId xmlns:a16="http://schemas.microsoft.com/office/drawing/2014/main" id="{8450EF29-A29A-9417-2B09-074C04064425}"/>
               </a:ext>
               <a:ext uri="{C183D7F6-B498-43B3-948B-1728B52AA6E4}">
-                <adec:decorative xmlns:adec="http://schemas.microsoft.com/office/drawing/2017/decorative" xmlns="" val="1"/>
+                <adec:decorative xmlns="" xmlns:adec="http://schemas.microsoft.com/office/drawing/2017/decorative" val="1"/>
               </a:ext>
             </a:extLst>
           </p:cNvPr>
@@ -13236,7 +13249,7 @@
                 <a16:creationId xmlns:a16="http://schemas.microsoft.com/office/drawing/2014/main" id="{8450EF29-A29A-9417-2B09-074C04064425}"/>
               </a:ext>
               <a:ext uri="{C183D7F6-B498-43B3-948B-1728B52AA6E4}">
-                <adec:decorative xmlns:adec="http://schemas.microsoft.com/office/drawing/2017/decorative" xmlns="" val="1"/>
+                <adec:decorative xmlns="" xmlns:adec="http://schemas.microsoft.com/office/drawing/2017/decorative" val="1"/>
               </a:ext>
             </a:extLst>
           </p:cNvPr>
@@ -13944,7 +13957,7 @@
                 <a16:creationId xmlns:a16="http://schemas.microsoft.com/office/drawing/2014/main" id="{8450EF29-A29A-9417-2B09-074C04064425}"/>
               </a:ext>
               <a:ext uri="{C183D7F6-B498-43B3-948B-1728B52AA6E4}">
-                <adec:decorative xmlns:adec="http://schemas.microsoft.com/office/drawing/2017/decorative" xmlns="" val="1"/>
+                <adec:decorative xmlns="" xmlns:adec="http://schemas.microsoft.com/office/drawing/2017/decorative" val="1"/>
               </a:ext>
             </a:extLst>
           </p:cNvPr>
@@ -14646,7 +14659,7 @@
                 <a16:creationId xmlns:a16="http://schemas.microsoft.com/office/drawing/2014/main" id="{5E8D3B17-7638-DFD3-18E4-8A6D611749CF}"/>
               </a:ext>
               <a:ext uri="{C183D7F6-B498-43B3-948B-1728B52AA6E4}">
-                <adec:decorative xmlns:adec="http://schemas.microsoft.com/office/drawing/2017/decorative" xmlns="" val="1"/>
+                <adec:decorative xmlns="" xmlns:adec="http://schemas.microsoft.com/office/drawing/2017/decorative" val="1"/>
               </a:ext>
             </a:extLst>
           </p:cNvPr>
@@ -14855,7 +14868,7 @@
             <p:ph sz="half" idx="2"/>
             <p:extLst>
               <p:ext uri="{E7BDC344-281C-4309-B0C6-D0EE65EED2A8}">
-                <p202:designPr xmlns:p202="http://schemas.microsoft.com/office/powerpoint/2020/02/main" xmlns="">
+                <p202:designPr xmlns="" xmlns:p202="http://schemas.microsoft.com/office/powerpoint/2020/02/main">
                   <p202:designTagLst>
                     <p202:designTag name="ARCH:1:CLS" val="InformationBlock"/>
                     <p202:designTag name="ARCH:1:VSVAR" val="TitledTextBox"/>
@@ -15107,7 +15120,7 @@
                 <a16:creationId xmlns:a16="http://schemas.microsoft.com/office/drawing/2014/main" id="{5E8D3B17-7638-DFD3-18E4-8A6D611749CF}"/>
               </a:ext>
               <a:ext uri="{C183D7F6-B498-43B3-948B-1728B52AA6E4}">
-                <adec:decorative xmlns:adec="http://schemas.microsoft.com/office/drawing/2017/decorative" xmlns="" val="1"/>
+                <adec:decorative xmlns="" xmlns:adec="http://schemas.microsoft.com/office/drawing/2017/decorative" val="1"/>
               </a:ext>
             </a:extLst>
           </p:cNvPr>
@@ -15267,7 +15280,7 @@
                 <a16:creationId xmlns:a16="http://schemas.microsoft.com/office/drawing/2014/main" id="{5E8D3B17-7638-DFD3-18E4-8A6D611749CF}"/>
               </a:ext>
               <a:ext uri="{C183D7F6-B498-43B3-948B-1728B52AA6E4}">
-                <adec:decorative xmlns:adec="http://schemas.microsoft.com/office/drawing/2017/decorative" xmlns="" val="1"/>
+                <adec:decorative xmlns="" xmlns:adec="http://schemas.microsoft.com/office/drawing/2017/decorative" val="1"/>
               </a:ext>
             </a:extLst>
           </p:cNvPr>
@@ -15511,7 +15524,7 @@
                 <a16:creationId xmlns:a16="http://schemas.microsoft.com/office/drawing/2014/main" id="{5E8D3B17-7638-DFD3-18E4-8A6D611749CF}"/>
               </a:ext>
               <a:ext uri="{C183D7F6-B498-43B3-948B-1728B52AA6E4}">
-                <adec:decorative xmlns:adec="http://schemas.microsoft.com/office/drawing/2017/decorative" xmlns="" val="1"/>
+                <adec:decorative xmlns="" xmlns:adec="http://schemas.microsoft.com/office/drawing/2017/decorative" val="1"/>
               </a:ext>
             </a:extLst>
           </p:cNvPr>
@@ -16523,7 +16536,7 @@
                 <a16:creationId xmlns:a16="http://schemas.microsoft.com/office/drawing/2014/main" id="{5E8D3B17-7638-DFD3-18E4-8A6D611749CF}"/>
               </a:ext>
               <a:ext uri="{C183D7F6-B498-43B3-948B-1728B52AA6E4}">
-                <adec:decorative xmlns:adec="http://schemas.microsoft.com/office/drawing/2017/decorative" xmlns="" val="1"/>
+                <adec:decorative xmlns="" xmlns:adec="http://schemas.microsoft.com/office/drawing/2017/decorative" val="1"/>
               </a:ext>
             </a:extLst>
           </p:cNvPr>
@@ -17254,7 +17267,7 @@
                 <a16:creationId xmlns:a16="http://schemas.microsoft.com/office/drawing/2014/main" id="{5E8D3B17-7638-DFD3-18E4-8A6D611749CF}"/>
               </a:ext>
               <a:ext uri="{C183D7F6-B498-43B3-948B-1728B52AA6E4}">
-                <adec:decorative xmlns:adec="http://schemas.microsoft.com/office/drawing/2017/decorative" xmlns="" val="1"/>
+                <adec:decorative xmlns="" xmlns:adec="http://schemas.microsoft.com/office/drawing/2017/decorative" val="1"/>
               </a:ext>
             </a:extLst>
           </p:cNvPr>
@@ -18121,7 +18134,7 @@
                 <a16:creationId xmlns:a16="http://schemas.microsoft.com/office/drawing/2014/main" id="{5E8D3B17-7638-DFD3-18E4-8A6D611749CF}"/>
               </a:ext>
               <a:ext uri="{C183D7F6-B498-43B3-948B-1728B52AA6E4}">
-                <adec:decorative xmlns:adec="http://schemas.microsoft.com/office/drawing/2017/decorative" xmlns="" val="1"/>
+                <adec:decorative xmlns="" xmlns:adec="http://schemas.microsoft.com/office/drawing/2017/decorative" val="1"/>
               </a:ext>
             </a:extLst>
           </p:cNvPr>
@@ -18258,7 +18271,7 @@
             <p:ph sz="half" idx="2"/>
             <p:extLst>
               <p:ext uri="{E7BDC344-281C-4309-B0C6-D0EE65EED2A8}">
-                <p202:designPr xmlns:p202="http://schemas.microsoft.com/office/powerpoint/2020/02/main" xmlns="">
+                <p202:designPr xmlns="" xmlns:p202="http://schemas.microsoft.com/office/powerpoint/2020/02/main">
                   <p202:designTagLst>
                     <p202:designTag name="ARCH:1:CLS" val="InformationBlock"/>
                     <p202:designTag name="ARCH:1:VSVAR" val="TitledTextBox"/>
@@ -18484,7 +18497,7 @@
                 <a16:creationId xmlns:a16="http://schemas.microsoft.com/office/drawing/2014/main" id="{5E8D3B17-7638-DFD3-18E4-8A6D611749CF}"/>
               </a:ext>
               <a:ext uri="{C183D7F6-B498-43B3-948B-1728B52AA6E4}">
-                <adec:decorative xmlns:adec="http://schemas.microsoft.com/office/drawing/2017/decorative" xmlns="" val="1"/>
+                <adec:decorative xmlns="" xmlns:adec="http://schemas.microsoft.com/office/drawing/2017/decorative" val="1"/>
               </a:ext>
             </a:extLst>
           </p:cNvPr>
@@ -18611,7 +18624,7 @@
             <p:ph sz="half" idx="2"/>
             <p:extLst>
               <p:ext uri="{E7BDC344-281C-4309-B0C6-D0EE65EED2A8}">
-                <p202:designPr xmlns:p202="http://schemas.microsoft.com/office/powerpoint/2020/02/main" xmlns="">
+                <p202:designPr xmlns="" xmlns:p202="http://schemas.microsoft.com/office/powerpoint/2020/02/main">
                   <p202:designTagLst>
                     <p202:designTag name="ARCH:1:CLS" val="InformationBlock"/>
                     <p202:designTag name="ARCH:1:VSVAR" val="TitledTextBox"/>
@@ -18928,7 +18941,7 @@
                 <a16:creationId xmlns:a16="http://schemas.microsoft.com/office/drawing/2014/main" id="{E1D40FB4-97DC-F5FF-9E7A-C10E078A1532}"/>
               </a:ext>
               <a:ext uri="{C183D7F6-B498-43B3-948B-1728B52AA6E4}">
-                <adec:decorative xmlns:adec="http://schemas.microsoft.com/office/drawing/2017/decorative" xmlns="" val="1"/>
+                <adec:decorative xmlns="" xmlns:adec="http://schemas.microsoft.com/office/drawing/2017/decorative" val="1"/>
               </a:ext>
             </a:extLst>
           </p:cNvPr>
@@ -19058,7 +19071,7 @@
             <p:ph sz="half" idx="2"/>
             <p:extLst>
               <p:ext uri="{E7BDC344-281C-4309-B0C6-D0EE65EED2A8}">
-                <p202:designPr xmlns:p202="http://schemas.microsoft.com/office/powerpoint/2020/02/main" xmlns="">
+                <p202:designPr xmlns="" xmlns:p202="http://schemas.microsoft.com/office/powerpoint/2020/02/main">
                   <p202:designTagLst>
                     <p202:designTag name="ARCH:1:CLS" val="InformationBlock"/>
                     <p202:designTag name="ARCH:1:VSVAR" val="TitledTextBox"/>
@@ -19316,7 +19329,7 @@
                 <a16:creationId xmlns:a16="http://schemas.microsoft.com/office/drawing/2014/main" id="{A51D6A68-C3BD-3399-CCA8-A7290FC8E09C}"/>
               </a:ext>
               <a:ext uri="{C183D7F6-B498-43B3-948B-1728B52AA6E4}">
-                <adec:decorative xmlns:adec="http://schemas.microsoft.com/office/drawing/2017/decorative" xmlns="" val="1"/>
+                <adec:decorative xmlns="" xmlns:adec="http://schemas.microsoft.com/office/drawing/2017/decorative" val="1"/>
               </a:ext>
             </a:extLst>
           </p:cNvPr>
@@ -19444,7 +19457,7 @@
             <p:ph sz="half" idx="2"/>
             <p:extLst>
               <p:ext uri="{E7BDC344-281C-4309-B0C6-D0EE65EED2A8}">
-                <p202:designPr xmlns:p202="http://schemas.microsoft.com/office/powerpoint/2020/02/main" xmlns="">
+                <p202:designPr xmlns="" xmlns:p202="http://schemas.microsoft.com/office/powerpoint/2020/02/main">
                   <p202:designTagLst>
                     <p202:designTag name="ARCH:1:CLS" val="InformationBlock"/>
                     <p202:designTag name="ARCH:1:VSVAR" val="TitledTextBox"/>
@@ -19702,7 +19715,7 @@
                 <a16:creationId xmlns:a16="http://schemas.microsoft.com/office/drawing/2014/main" id="{7F39A533-5E9C-439F-5CF1-06FFAB778C1F}"/>
               </a:ext>
               <a:ext uri="{C183D7F6-B498-43B3-948B-1728B52AA6E4}">
-                <adec:decorative xmlns:adec="http://schemas.microsoft.com/office/drawing/2017/decorative" xmlns="" val="1"/>
+                <adec:decorative xmlns="" xmlns:adec="http://schemas.microsoft.com/office/drawing/2017/decorative" val="1"/>
               </a:ext>
             </a:extLst>
           </p:cNvPr>
@@ -19830,7 +19843,7 @@
             <p:ph sz="half" idx="2"/>
             <p:extLst>
               <p:ext uri="{E7BDC344-281C-4309-B0C6-D0EE65EED2A8}">
-                <p202:designPr xmlns:p202="http://schemas.microsoft.com/office/powerpoint/2020/02/main" xmlns="">
+                <p202:designPr xmlns="" xmlns:p202="http://schemas.microsoft.com/office/powerpoint/2020/02/main">
                   <p202:designTagLst>
                     <p202:designTag name="ARCH:1:CLS" val="InformationBlock"/>
                     <p202:designTag name="ARCH:1:VSVAR" val="TitledTextBox"/>
@@ -20103,7 +20116,7 @@
                 <a16:creationId xmlns:a16="http://schemas.microsoft.com/office/drawing/2014/main" id="{A82A2D76-411A-C189-4AD9-642686996848}"/>
               </a:ext>
               <a:ext uri="{C183D7F6-B498-43B3-948B-1728B52AA6E4}">
-                <adec:decorative xmlns:adec="http://schemas.microsoft.com/office/drawing/2017/decorative" xmlns="" val="1"/>
+                <adec:decorative xmlns="" xmlns:adec="http://schemas.microsoft.com/office/drawing/2017/decorative" val="1"/>
               </a:ext>
             </a:extLst>
           </p:cNvPr>
@@ -20231,7 +20244,7 @@
             <p:ph sz="half" idx="2"/>
             <p:extLst>
               <p:ext uri="{E7BDC344-281C-4309-B0C6-D0EE65EED2A8}">
-                <p202:designPr xmlns:p202="http://schemas.microsoft.com/office/powerpoint/2020/02/main" xmlns="">
+                <p202:designPr xmlns="" xmlns:p202="http://schemas.microsoft.com/office/powerpoint/2020/02/main">
                   <p202:designTagLst>
                     <p202:designTag name="ARCH:1:CLS" val="InformationBlock"/>
                     <p202:designTag name="ARCH:1:VSVAR" val="TitledTextBox"/>
@@ -20492,7 +20505,7 @@
                 <a16:creationId xmlns:a16="http://schemas.microsoft.com/office/drawing/2014/main" id="{E482AA53-DA69-E258-8B64-8F8CE86FCDD4}"/>
               </a:ext>
               <a:ext uri="{C183D7F6-B498-43B3-948B-1728B52AA6E4}">
-                <adec:decorative xmlns:adec="http://schemas.microsoft.com/office/drawing/2017/decorative" xmlns="" val="1"/>
+                <adec:decorative xmlns="" xmlns:adec="http://schemas.microsoft.com/office/drawing/2017/decorative" val="1"/>
               </a:ext>
             </a:extLst>
           </p:cNvPr>
@@ -20620,7 +20633,7 @@
             <p:ph sz="half" idx="2"/>
             <p:extLst>
               <p:ext uri="{E7BDC344-281C-4309-B0C6-D0EE65EED2A8}">
-                <p202:designPr xmlns:p202="http://schemas.microsoft.com/office/powerpoint/2020/02/main" xmlns="">
+                <p202:designPr xmlns="" xmlns:p202="http://schemas.microsoft.com/office/powerpoint/2020/02/main">
                   <p202:designTagLst>
                     <p202:designTag name="ARCH:1:CLS" val="InformationBlock"/>
                     <p202:designTag name="ARCH:1:VSVAR" val="TitledTextBox"/>
@@ -20896,7 +20909,7 @@
                 <a16:creationId xmlns:a16="http://schemas.microsoft.com/office/drawing/2014/main" id="{5C27E16A-554C-D4AC-900E-AA69DDAEDE03}"/>
               </a:ext>
               <a:ext uri="{C183D7F6-B498-43B3-948B-1728B52AA6E4}">
-                <adec:decorative xmlns:adec="http://schemas.microsoft.com/office/drawing/2017/decorative" xmlns="" val="1"/>
+                <adec:decorative xmlns="" xmlns:adec="http://schemas.microsoft.com/office/drawing/2017/decorative" val="1"/>
               </a:ext>
             </a:extLst>
           </p:cNvPr>
@@ -21024,7 +21037,7 @@
             <p:ph sz="half" idx="2"/>
             <p:extLst>
               <p:ext uri="{E7BDC344-281C-4309-B0C6-D0EE65EED2A8}">
-                <p202:designPr xmlns:p202="http://schemas.microsoft.com/office/powerpoint/2020/02/main" xmlns="">
+                <p202:designPr xmlns="" xmlns:p202="http://schemas.microsoft.com/office/powerpoint/2020/02/main">
                   <p202:designTagLst>
                     <p202:designTag name="ARCH:1:CLS" val="InformationBlock"/>
                     <p202:designTag name="ARCH:1:VSVAR" val="TitledTextBox"/>

--- a/Documentacao/ModelagemSistema_TemplateInicial [Salvo automaticamente].pptx
+++ b/Documentacao/ModelagemSistema_TemplateInicial [Salvo automaticamente].pptx
@@ -16,15 +16,15 @@
     <p:sldId id="2578" r:id="rId7"/>
     <p:sldId id="2579" r:id="rId8"/>
     <p:sldId id="2580" r:id="rId9"/>
-    <p:sldId id="2581" r:id="rId10"/>
-    <p:sldId id="2582" r:id="rId11"/>
-    <p:sldId id="2587" r:id="rId12"/>
-    <p:sldId id="2566" r:id="rId13"/>
-    <p:sldId id="2583" r:id="rId14"/>
-    <p:sldId id="2590" r:id="rId15"/>
-    <p:sldId id="2584" r:id="rId16"/>
-    <p:sldId id="2585" r:id="rId17"/>
-    <p:sldId id="2592" r:id="rId18"/>
+    <p:sldId id="2582" r:id="rId10"/>
+    <p:sldId id="2587" r:id="rId11"/>
+    <p:sldId id="2566" r:id="rId12"/>
+    <p:sldId id="2583" r:id="rId13"/>
+    <p:sldId id="2590" r:id="rId14"/>
+    <p:sldId id="2584" r:id="rId15"/>
+    <p:sldId id="2585" r:id="rId16"/>
+    <p:sldId id="2592" r:id="rId17"/>
+    <p:sldId id="2594" r:id="rId18"/>
     <p:sldId id="2591" r:id="rId19"/>
     <p:sldId id="2593" r:id="rId20"/>
     <p:sldId id="2567" r:id="rId21"/>
@@ -221,7 +221,7 @@
           <a:p>
             <a:fld id="{93DDA81E-B6DD-4CA0-9C2D-B0C27B95DC2C}" type="datetimeFigureOut">
               <a:rPr lang="pt-BR" smtClean="0"/>
-              <a:t>09/06/2025</a:t>
+              <a:t>23/07/2025</a:t>
             </a:fld>
             <a:endParaRPr lang="pt-BR"/>
           </a:p>
@@ -679,7 +679,7 @@
     </p:spTree>
     <p:extLst>
       <p:ext uri="{BB962C8B-B14F-4D97-AF65-F5344CB8AC3E}">
-        <p14:creationId xmlns:p14="http://schemas.microsoft.com/office/powerpoint/2010/main" val="4163192223"/>
+        <p14:creationId xmlns:p14="http://schemas.microsoft.com/office/powerpoint/2010/main" val="4228526868"/>
       </p:ext>
     </p:extLst>
   </p:cSld>
@@ -690,117 +690,6 @@
 </file>
 
 <file path=ppt/notesSlides/notesSlide11.xml><?xml version="1.0" encoding="utf-8"?>
-<p:notes xmlns:a="http://schemas.openxmlformats.org/drawingml/2006/main" xmlns:r="http://schemas.openxmlformats.org/officeDocument/2006/relationships" xmlns:p="http://schemas.openxmlformats.org/presentationml/2006/main">
-  <p:cSld>
-    <p:spTree>
-      <p:nvGrpSpPr>
-        <p:cNvPr id="1" name="">
-          <a:extLst>
-            <a:ext uri="{FF2B5EF4-FFF2-40B4-BE49-F238E27FC236}">
-              <a16:creationId xmlns:a16="http://schemas.microsoft.com/office/drawing/2014/main" id="{8A577B22-1EE7-49D3-2071-2B1B1663A763}"/>
-            </a:ext>
-          </a:extLst>
-        </p:cNvPr>
-        <p:cNvGrpSpPr/>
-        <p:nvPr/>
-      </p:nvGrpSpPr>
-      <p:grpSpPr>
-        <a:xfrm>
-          <a:off x="0" y="0"/>
-          <a:ext cx="0" cy="0"/>
-          <a:chOff x="0" y="0"/>
-          <a:chExt cx="0" cy="0"/>
-        </a:xfrm>
-      </p:grpSpPr>
-      <p:sp>
-        <p:nvSpPr>
-          <p:cNvPr id="2" name="Espaço Reservado para Imagem de Slide 1">
-            <a:extLst>
-              <a:ext uri="{FF2B5EF4-FFF2-40B4-BE49-F238E27FC236}">
-                <a16:creationId xmlns:a16="http://schemas.microsoft.com/office/drawing/2014/main" id="{891C5F19-9F0B-9D28-11B0-FDE2808ABCAD}"/>
-              </a:ext>
-            </a:extLst>
-          </p:cNvPr>
-          <p:cNvSpPr>
-            <a:spLocks noGrp="1" noRot="1" noChangeAspect="1"/>
-          </p:cNvSpPr>
-          <p:nvPr>
-            <p:ph type="sldImg"/>
-          </p:nvPr>
-        </p:nvSpPr>
-        <p:spPr/>
-      </p:sp>
-      <p:sp>
-        <p:nvSpPr>
-          <p:cNvPr id="3" name="Espaço Reservado para Anotações 2">
-            <a:extLst>
-              <a:ext uri="{FF2B5EF4-FFF2-40B4-BE49-F238E27FC236}">
-                <a16:creationId xmlns:a16="http://schemas.microsoft.com/office/drawing/2014/main" id="{E0F7961C-B206-449E-1C65-4F0FB4BA0AF2}"/>
-              </a:ext>
-            </a:extLst>
-          </p:cNvPr>
-          <p:cNvSpPr>
-            <a:spLocks noGrp="1"/>
-          </p:cNvSpPr>
-          <p:nvPr>
-            <p:ph type="body" idx="1"/>
-          </p:nvPr>
-        </p:nvSpPr>
-        <p:spPr/>
-        <p:txBody>
-          <a:bodyPr/>
-          <a:lstStyle/>
-          <a:p>
-            <a:r>
-              <a:rPr lang="pt-BR"/>
-              <a:t>O Diagrama Entidade-Relacionamento (DER) é uma ferramenta visual que descreve a estrutura do banco de dados do sistema. Ele ilustra as principais entidades, seus atributos e os relacionamentos entre elas, ajudando a entender a lógica do banco de dados.</a:t>
-            </a:r>
-          </a:p>
-        </p:txBody>
-      </p:sp>
-      <p:sp>
-        <p:nvSpPr>
-          <p:cNvPr id="4" name="Espaço Reservado para Número de Slide 3">
-            <a:extLst>
-              <a:ext uri="{FF2B5EF4-FFF2-40B4-BE49-F238E27FC236}">
-                <a16:creationId xmlns:a16="http://schemas.microsoft.com/office/drawing/2014/main" id="{27875489-F6BA-266C-AC87-7824780255BB}"/>
-              </a:ext>
-            </a:extLst>
-          </p:cNvPr>
-          <p:cNvSpPr>
-            <a:spLocks noGrp="1"/>
-          </p:cNvSpPr>
-          <p:nvPr>
-            <p:ph type="sldNum" sz="quarter" idx="5"/>
-          </p:nvPr>
-        </p:nvSpPr>
-        <p:spPr/>
-        <p:txBody>
-          <a:bodyPr/>
-          <a:lstStyle/>
-          <a:p>
-            <a:fld id="{92E3E85D-1FC8-4645-A278-0F485466CD94}" type="slidenum">
-              <a:rPr lang="pt-BR" smtClean="0"/>
-              <a:t>11</a:t>
-            </a:fld>
-            <a:endParaRPr lang="pt-BR"/>
-          </a:p>
-        </p:txBody>
-      </p:sp>
-    </p:spTree>
-    <p:extLst>
-      <p:ext uri="{BB962C8B-B14F-4D97-AF65-F5344CB8AC3E}">
-        <p14:creationId xmlns:p14="http://schemas.microsoft.com/office/powerpoint/2010/main" val="4228526868"/>
-      </p:ext>
-    </p:extLst>
-  </p:cSld>
-  <p:clrMapOvr>
-    <a:masterClrMapping/>
-  </p:clrMapOvr>
-</p:notes>
-</file>
-
-<file path=ppt/notesSlides/notesSlide12.xml><?xml version="1.0" encoding="utf-8"?>
 <p:notes xmlns:a="http://schemas.openxmlformats.org/drawingml/2006/main" xmlns:r="http://schemas.openxmlformats.org/officeDocument/2006/relationships" xmlns:p="http://schemas.openxmlformats.org/presentationml/2006/main">
   <p:cSld>
     <p:spTree>
@@ -868,7 +757,7 @@
           <a:p>
             <a:fld id="{92E3E85D-1FC8-4645-A278-0F485466CD94}" type="slidenum">
               <a:rPr lang="pt-BR" smtClean="0"/>
-              <a:t>12</a:t>
+              <a:t>11</a:t>
             </a:fld>
             <a:endParaRPr lang="pt-BR"/>
           </a:p>
@@ -887,7 +776,7 @@
 </p:notes>
 </file>
 
-<file path=ppt/notesSlides/notesSlide13.xml><?xml version="1.0" encoding="utf-8"?>
+<file path=ppt/notesSlides/notesSlide12.xml><?xml version="1.0" encoding="utf-8"?>
 <p:notes xmlns:a="http://schemas.openxmlformats.org/drawingml/2006/main" xmlns:r="http://schemas.openxmlformats.org/officeDocument/2006/relationships" xmlns:p="http://schemas.openxmlformats.org/presentationml/2006/main">
   <p:cSld>
     <p:spTree>
@@ -979,7 +868,7 @@
           <a:p>
             <a:fld id="{92E3E85D-1FC8-4645-A278-0F485466CD94}" type="slidenum">
               <a:rPr lang="pt-BR" smtClean="0"/>
-              <a:t>13</a:t>
+              <a:t>12</a:t>
             </a:fld>
             <a:endParaRPr lang="pt-BR"/>
           </a:p>
@@ -989,6 +878,117 @@
     <p:extLst>
       <p:ext uri="{BB962C8B-B14F-4D97-AF65-F5344CB8AC3E}">
         <p14:creationId xmlns:p14="http://schemas.microsoft.com/office/powerpoint/2010/main" val="2995660185"/>
+      </p:ext>
+    </p:extLst>
+  </p:cSld>
+  <p:clrMapOvr>
+    <a:masterClrMapping/>
+  </p:clrMapOvr>
+</p:notes>
+</file>
+
+<file path=ppt/notesSlides/notesSlide13.xml><?xml version="1.0" encoding="utf-8"?>
+<p:notes xmlns:a="http://schemas.openxmlformats.org/drawingml/2006/main" xmlns:r="http://schemas.openxmlformats.org/officeDocument/2006/relationships" xmlns:p="http://schemas.openxmlformats.org/presentationml/2006/main">
+  <p:cSld>
+    <p:spTree>
+      <p:nvGrpSpPr>
+        <p:cNvPr id="1" name="">
+          <a:extLst>
+            <a:ext uri="{FF2B5EF4-FFF2-40B4-BE49-F238E27FC236}">
+              <a16:creationId xmlns:a16="http://schemas.microsoft.com/office/drawing/2014/main" id="{5E758249-486C-768F-A9A2-E1C45FF9A004}"/>
+            </a:ext>
+          </a:extLst>
+        </p:cNvPr>
+        <p:cNvGrpSpPr/>
+        <p:nvPr/>
+      </p:nvGrpSpPr>
+      <p:grpSpPr>
+        <a:xfrm>
+          <a:off x="0" y="0"/>
+          <a:ext cx="0" cy="0"/>
+          <a:chOff x="0" y="0"/>
+          <a:chExt cx="0" cy="0"/>
+        </a:xfrm>
+      </p:grpSpPr>
+      <p:sp>
+        <p:nvSpPr>
+          <p:cNvPr id="2" name="Espaço Reservado para Imagem de Slide 1">
+            <a:extLst>
+              <a:ext uri="{FF2B5EF4-FFF2-40B4-BE49-F238E27FC236}">
+                <a16:creationId xmlns:a16="http://schemas.microsoft.com/office/drawing/2014/main" id="{893D3064-37E2-A08B-B67E-D0BDF678B537}"/>
+              </a:ext>
+            </a:extLst>
+          </p:cNvPr>
+          <p:cNvSpPr>
+            <a:spLocks noGrp="1" noRot="1" noChangeAspect="1"/>
+          </p:cNvSpPr>
+          <p:nvPr>
+            <p:ph type="sldImg"/>
+          </p:nvPr>
+        </p:nvSpPr>
+        <p:spPr/>
+      </p:sp>
+      <p:sp>
+        <p:nvSpPr>
+          <p:cNvPr id="3" name="Espaço Reservado para Anotações 2">
+            <a:extLst>
+              <a:ext uri="{FF2B5EF4-FFF2-40B4-BE49-F238E27FC236}">
+                <a16:creationId xmlns:a16="http://schemas.microsoft.com/office/drawing/2014/main" id="{509255BE-D866-6F4C-1785-B44C4C921F5A}"/>
+              </a:ext>
+            </a:extLst>
+          </p:cNvPr>
+          <p:cNvSpPr>
+            <a:spLocks noGrp="1"/>
+          </p:cNvSpPr>
+          <p:nvPr>
+            <p:ph type="body" idx="1"/>
+          </p:nvPr>
+        </p:nvSpPr>
+        <p:spPr/>
+        <p:txBody>
+          <a:bodyPr/>
+          <a:lstStyle/>
+          <a:p>
+            <a:r>
+              <a:rPr lang="pt-BR"/>
+              <a:t>O Diagrama Entidade-Relacionamento (DER) é uma ferramenta visual que descreve a estrutura do banco de dados do sistema. Ele ilustra as principais entidades, seus atributos e os relacionamentos entre elas, ajudando a entender a lógica do banco de dados.</a:t>
+            </a:r>
+          </a:p>
+        </p:txBody>
+      </p:sp>
+      <p:sp>
+        <p:nvSpPr>
+          <p:cNvPr id="4" name="Espaço Reservado para Número de Slide 3">
+            <a:extLst>
+              <a:ext uri="{FF2B5EF4-FFF2-40B4-BE49-F238E27FC236}">
+                <a16:creationId xmlns:a16="http://schemas.microsoft.com/office/drawing/2014/main" id="{9733254D-078E-0492-BCD8-F2990DC2CCFA}"/>
+              </a:ext>
+            </a:extLst>
+          </p:cNvPr>
+          <p:cNvSpPr>
+            <a:spLocks noGrp="1"/>
+          </p:cNvSpPr>
+          <p:nvPr>
+            <p:ph type="sldNum" sz="quarter" idx="5"/>
+          </p:nvPr>
+        </p:nvSpPr>
+        <p:spPr/>
+        <p:txBody>
+          <a:bodyPr/>
+          <a:lstStyle/>
+          <a:p>
+            <a:fld id="{92E3E85D-1FC8-4645-A278-0F485466CD94}" type="slidenum">
+              <a:rPr lang="pt-BR" smtClean="0"/>
+              <a:t>14</a:t>
+            </a:fld>
+            <a:endParaRPr lang="pt-BR"/>
+          </a:p>
+        </p:txBody>
+      </p:sp>
+    </p:spTree>
+    <p:extLst>
+      <p:ext uri="{BB962C8B-B14F-4D97-AF65-F5344CB8AC3E}">
+        <p14:creationId xmlns:p14="http://schemas.microsoft.com/office/powerpoint/2010/main" val="2155279237"/>
       </p:ext>
     </p:extLst>
   </p:cSld>
@@ -1099,7 +1099,7 @@
     </p:spTree>
     <p:extLst>
       <p:ext uri="{BB962C8B-B14F-4D97-AF65-F5344CB8AC3E}">
-        <p14:creationId xmlns:p14="http://schemas.microsoft.com/office/powerpoint/2010/main" val="2155279237"/>
+        <p14:creationId xmlns:p14="http://schemas.microsoft.com/office/powerpoint/2010/main" val="2310064016"/>
       </p:ext>
     </p:extLst>
   </p:cSld>
@@ -1210,7 +1210,7 @@
     </p:spTree>
     <p:extLst>
       <p:ext uri="{BB962C8B-B14F-4D97-AF65-F5344CB8AC3E}">
-        <p14:creationId xmlns:p14="http://schemas.microsoft.com/office/powerpoint/2010/main" val="2310064016"/>
+        <p14:creationId xmlns:p14="http://schemas.microsoft.com/office/powerpoint/2010/main" val="3414822870"/>
       </p:ext>
     </p:extLst>
   </p:cSld>
@@ -1321,7 +1321,7 @@
     </p:spTree>
     <p:extLst>
       <p:ext uri="{BB962C8B-B14F-4D97-AF65-F5344CB8AC3E}">
-        <p14:creationId xmlns:p14="http://schemas.microsoft.com/office/powerpoint/2010/main" val="3414822870"/>
+        <p14:creationId xmlns:p14="http://schemas.microsoft.com/office/powerpoint/2010/main" val="804814144"/>
       </p:ext>
     </p:extLst>
   </p:cSld>
@@ -2812,7 +2812,7 @@
         <p:cNvPr id="1" name="">
           <a:extLst>
             <a:ext uri="{FF2B5EF4-FFF2-40B4-BE49-F238E27FC236}">
-              <a16:creationId xmlns:a16="http://schemas.microsoft.com/office/drawing/2014/main" id="{3024A25C-1BF9-8B1B-A3B7-34830E35EA70}"/>
+              <a16:creationId xmlns:a16="http://schemas.microsoft.com/office/drawing/2014/main" id="{8A577B22-1EE7-49D3-2071-2B1B1663A763}"/>
             </a:ext>
           </a:extLst>
         </p:cNvPr>
@@ -2832,7 +2832,7 @@
           <p:cNvPr id="2" name="Espaço Reservado para Imagem de Slide 1">
             <a:extLst>
               <a:ext uri="{FF2B5EF4-FFF2-40B4-BE49-F238E27FC236}">
-                <a16:creationId xmlns:a16="http://schemas.microsoft.com/office/drawing/2014/main" id="{2E591DD7-DC2D-E118-F256-51DCC756DF3A}"/>
+                <a16:creationId xmlns:a16="http://schemas.microsoft.com/office/drawing/2014/main" id="{891C5F19-9F0B-9D28-11B0-FDE2808ABCAD}"/>
               </a:ext>
             </a:extLst>
           </p:cNvPr>
@@ -2850,7 +2850,7 @@
           <p:cNvPr id="3" name="Espaço Reservado para Anotações 2">
             <a:extLst>
               <a:ext uri="{FF2B5EF4-FFF2-40B4-BE49-F238E27FC236}">
-                <a16:creationId xmlns:a16="http://schemas.microsoft.com/office/drawing/2014/main" id="{D09F2C59-7C07-4102-BA30-B4EC4A3581C8}"/>
+                <a16:creationId xmlns:a16="http://schemas.microsoft.com/office/drawing/2014/main" id="{E0F7961C-B206-449E-1C65-4F0FB4BA0AF2}"/>
               </a:ext>
             </a:extLst>
           </p:cNvPr>
@@ -2878,7 +2878,7 @@
           <p:cNvPr id="4" name="Espaço Reservado para Número de Slide 3">
             <a:extLst>
               <a:ext uri="{FF2B5EF4-FFF2-40B4-BE49-F238E27FC236}">
-                <a16:creationId xmlns:a16="http://schemas.microsoft.com/office/drawing/2014/main" id="{D64F9DED-E24D-DC60-076F-8606CE288745}"/>
+                <a16:creationId xmlns:a16="http://schemas.microsoft.com/office/drawing/2014/main" id="{27875489-F6BA-266C-AC87-7824780255BB}"/>
               </a:ext>
             </a:extLst>
           </p:cNvPr>
@@ -2905,7 +2905,7 @@
     </p:spTree>
     <p:extLst>
       <p:ext uri="{BB962C8B-B14F-4D97-AF65-F5344CB8AC3E}">
-        <p14:creationId xmlns:p14="http://schemas.microsoft.com/office/powerpoint/2010/main" val="2388222125"/>
+        <p14:creationId xmlns:p14="http://schemas.microsoft.com/office/powerpoint/2010/main" val="4163192223"/>
       </p:ext>
     </p:extLst>
   </p:cSld>
@@ -3068,7 +3068,7 @@
           <a:p>
             <a:fld id="{C128FA71-3A18-48C0-980F-4B68F7F63042}" type="datetime1">
               <a:rPr lang="en-US" smtClean="0"/>
-              <a:t>6/9/2025</a:t>
+              <a:t>7/23/2025</a:t>
             </a:fld>
             <a:endParaRPr lang="en-US"/>
           </a:p>
@@ -3276,7 +3276,7 @@
           <a:p>
             <a:fld id="{7104EDB3-C0E8-45F8-9E1D-1B6C8D1880C0}" type="datetime1">
               <a:rPr lang="en-US" smtClean="0"/>
-              <a:t>6/9/2025</a:t>
+              <a:t>7/23/2025</a:t>
             </a:fld>
             <a:endParaRPr lang="en-US"/>
           </a:p>
@@ -3486,7 +3486,7 @@
           <a:p>
             <a:fld id="{9CF0EC4B-54ED-4041-B552-9BA760FA3DBA}" type="datetime1">
               <a:rPr lang="en-US" smtClean="0"/>
-              <a:t>6/9/2025</a:t>
+              <a:t>7/23/2025</a:t>
             </a:fld>
             <a:endParaRPr lang="en-US"/>
           </a:p>
@@ -3684,7 +3684,7 @@
           <a:p>
             <a:fld id="{51C1210E-201E-4473-82AC-2466F5386C38}" type="datetime1">
               <a:rPr lang="en-US" smtClean="0"/>
-              <a:t>6/9/2025</a:t>
+              <a:t>7/23/2025</a:t>
             </a:fld>
             <a:endParaRPr lang="en-US"/>
           </a:p>
@@ -3962,7 +3962,7 @@
           <a:p>
             <a:fld id="{B01EA198-6CAB-4B8F-B93F-1F9C8C4B6CE7}" type="datetime1">
               <a:rPr lang="en-US" smtClean="0"/>
-              <a:t>6/9/2025</a:t>
+              <a:t>7/23/2025</a:t>
             </a:fld>
             <a:endParaRPr lang="en-US"/>
           </a:p>
@@ -4234,7 +4234,7 @@
           <a:p>
             <a:fld id="{CA06041F-4525-44D5-AA4F-332294BF1F56}" type="datetime1">
               <a:rPr lang="en-US" smtClean="0"/>
-              <a:t>6/9/2025</a:t>
+              <a:t>7/23/2025</a:t>
             </a:fld>
             <a:endParaRPr lang="en-US"/>
           </a:p>
@@ -4658,7 +4658,7 @@
           <a:p>
             <a:fld id="{F9557091-BBDF-4EB9-BA6B-2BB67AC4FC0F}" type="datetime1">
               <a:rPr lang="en-US" smtClean="0"/>
-              <a:t>6/9/2025</a:t>
+              <a:t>7/23/2025</a:t>
             </a:fld>
             <a:endParaRPr lang="en-US"/>
           </a:p>
@@ -4799,7 +4799,7 @@
           <a:p>
             <a:fld id="{2D6B226B-77A6-410C-9796-083F278E0125}" type="datetime1">
               <a:rPr lang="en-US" smtClean="0"/>
-              <a:t>6/9/2025</a:t>
+              <a:t>7/23/2025</a:t>
             </a:fld>
             <a:endParaRPr lang="en-US"/>
           </a:p>
@@ -4912,7 +4912,7 @@
           <a:p>
             <a:fld id="{A23A578B-D289-4C40-8593-3D356C49DA58}" type="datetime1">
               <a:rPr lang="en-US" smtClean="0"/>
-              <a:t>6/9/2025</a:t>
+              <a:t>7/23/2025</a:t>
             </a:fld>
             <a:endParaRPr lang="en-US"/>
           </a:p>
@@ -5231,7 +5231,7 @@
           <a:p>
             <a:fld id="{713DFAE3-14DB-48A7-A80F-80DDB072CE3D}" type="datetime1">
               <a:rPr lang="en-US" smtClean="0"/>
-              <a:t>6/9/2025</a:t>
+              <a:t>7/23/2025</a:t>
             </a:fld>
             <a:endParaRPr lang="en-US"/>
           </a:p>
@@ -5525,7 +5525,7 @@
           <a:p>
             <a:fld id="{92C5EAEF-6478-4102-8F5D-A5FE9FC97ACB}" type="datetime1">
               <a:rPr lang="en-US" smtClean="0"/>
-              <a:t>6/9/2025</a:t>
+              <a:t>7/23/2025</a:t>
             </a:fld>
             <a:endParaRPr lang="en-US"/>
           </a:p>
@@ -5766,7 +5766,7 @@
           <a:p>
             <a:fld id="{67F45AC6-C491-4585-A584-9CE2AF7D5500}" type="datetime1">
               <a:rPr lang="en-US" smtClean="0"/>
-              <a:t>6/9/2025</a:t>
+              <a:t>7/23/2025</a:t>
             </a:fld>
             <a:endParaRPr lang="en-US"/>
           </a:p>
@@ -6196,7 +6196,7 @@
                 <a16:creationId xmlns:a16="http://schemas.microsoft.com/office/drawing/2014/main" id="{6E448DB1-4196-18A6-15DA-C72635C1B11E}"/>
               </a:ext>
               <a:ext uri="{C183D7F6-B498-43B3-948B-1728B52AA6E4}">
-                <adec:decorative xmlns="" xmlns:adec="http://schemas.microsoft.com/office/drawing/2017/decorative" val="1"/>
+                <adec:decorative xmlns:adec="http://schemas.microsoft.com/office/drawing/2017/decorative" xmlns="" val="1"/>
               </a:ext>
             </a:extLst>
           </p:cNvPr>
@@ -6304,7 +6304,7 @@
                 <a16:creationId xmlns:a16="http://schemas.microsoft.com/office/drawing/2014/main" id="{76A10D8F-D463-70E5-239B-17AD65EF433D}"/>
               </a:ext>
               <a:ext uri="{C183D7F6-B498-43B3-948B-1728B52AA6E4}">
-                <adec:decorative xmlns="" xmlns:adec="http://schemas.microsoft.com/office/drawing/2017/decorative" val="1"/>
+                <adec:decorative xmlns:adec="http://schemas.microsoft.com/office/drawing/2017/decorative" xmlns="" val="1"/>
               </a:ext>
             </a:extLst>
           </p:cNvPr>
@@ -6472,7 +6472,7 @@
         <p:spPr>
           <a:xfrm>
             <a:off x="286507" y="4437176"/>
-            <a:ext cx="4007587" cy="1290807"/>
+            <a:ext cx="4042212" cy="1290807"/>
           </a:xfrm>
         </p:spPr>
         <p:txBody>
@@ -6491,12 +6491,16 @@
               <a:t> </a:t>
             </a:r>
             <a:r>
+              <a:rPr lang="pt-BR" sz="2200" dirty="0" smtClean="0"/>
+              <a:t>Rebeca, Ana Sophia, Luiz Emanuel, Anthony </a:t>
+            </a:r>
+            <a:r>
               <a:rPr lang="pt-BR" sz="2200" dirty="0"/>
-              <a:t>R</a:t>
+              <a:t>G</a:t>
             </a:r>
             <a:r>
               <a:rPr lang="pt-BR" sz="2200" dirty="0" smtClean="0"/>
-              <a:t>ebeca</a:t>
+              <a:t>abriel</a:t>
             </a:r>
             <a:endParaRPr lang="pt-BR" sz="2200" dirty="0"/>
           </a:p>
@@ -6778,442 +6782,7 @@
                 <a16:creationId xmlns:a16="http://schemas.microsoft.com/office/drawing/2014/main" id="{74EA76C7-8C08-E029-0E79-750B71C94A62}"/>
               </a:ext>
               <a:ext uri="{C183D7F6-B498-43B3-948B-1728B52AA6E4}">
-                <adec:decorative xmlns="" xmlns:adec="http://schemas.microsoft.com/office/drawing/2017/decorative" val="1"/>
-              </a:ext>
-            </a:extLst>
-          </p:cNvPr>
-          <p:cNvSpPr>
-            <a:spLocks noGrp="1" noRot="1" noChangeAspect="1" noMove="1" noResize="1" noEditPoints="1" noAdjustHandles="1" noChangeArrowheads="1" noChangeShapeType="1" noTextEdit="1"/>
-          </p:cNvSpPr>
-          <p:nvPr>
-            <p:extLst>
-              <p:ext uri="{386F3935-93C4-4BCD-93E2-E3B085C9AB24}">
-                <p16:designElem xmlns:p16="http://schemas.microsoft.com/office/powerpoint/2015/main" val="1"/>
-              </p:ext>
-            </p:extLst>
-          </p:nvPr>
-        </p:nvSpPr>
-        <p:spPr>
-          <a:xfrm>
-            <a:off x="0" y="0"/>
-            <a:ext cx="12192000" cy="6858000"/>
-          </a:xfrm>
-          <a:prstGeom prst="rect">
-            <a:avLst/>
-          </a:prstGeom>
-          <a:ln w="12700" cap="flat" cmpd="sng" algn="ctr">
-            <a:noFill/>
-            <a:prstDash val="solid"/>
-            <a:miter lim="800000"/>
-          </a:ln>
-          <a:effectLst/>
-          <a:extLst>
-            <a:ext uri="{91240B29-F687-4F45-9708-019B960494DF}">
-              <a14:hiddenLine xmlns:a14="http://schemas.microsoft.com/office/drawing/2010/main" w="12700" cap="flat" cmpd="sng" algn="ctr">
-                <a:solidFill>
-                  <a:schemeClr val="accent1">
-                    <a:shade val="15000"/>
-                  </a:schemeClr>
-                </a:solidFill>
-                <a:prstDash val="solid"/>
-                <a:miter lim="800000"/>
-              </a14:hiddenLine>
-            </a:ext>
-          </a:extLst>
-        </p:spPr>
-        <p:style>
-          <a:lnRef idx="2">
-            <a:schemeClr val="accent1">
-              <a:shade val="15000"/>
-            </a:schemeClr>
-          </a:lnRef>
-          <a:fillRef idx="1">
-            <a:schemeClr val="accent1"/>
-          </a:fillRef>
-          <a:effectRef idx="0">
-            <a:schemeClr val="accent1"/>
-          </a:effectRef>
-          <a:fontRef idx="minor">
-            <a:schemeClr val="lt1"/>
-          </a:fontRef>
-        </p:style>
-        <p:txBody>
-          <a:bodyPr rtlCol="0" anchor="ctr"/>
-          <a:lstStyle/>
-          <a:p>
-            <a:pPr algn="ctr"/>
-            <a:endParaRPr lang="en-US"/>
-          </a:p>
-        </p:txBody>
-      </p:sp>
-      <p:sp>
-        <p:nvSpPr>
-          <p:cNvPr id="2" name="Título 1">
-            <a:extLst>
-              <a:ext uri="{FF2B5EF4-FFF2-40B4-BE49-F238E27FC236}">
-                <a16:creationId xmlns:a16="http://schemas.microsoft.com/office/drawing/2014/main" id="{86EF25F5-F22F-2CF9-C788-AA2BDEC6E570}"/>
-              </a:ext>
-            </a:extLst>
-          </p:cNvPr>
-          <p:cNvSpPr>
-            <a:spLocks noGrp="1"/>
-          </p:cNvSpPr>
-          <p:nvPr>
-            <p:ph type="title"/>
-          </p:nvPr>
-        </p:nvSpPr>
-        <p:spPr>
-          <a:xfrm>
-            <a:off x="468503" y="-214884"/>
-            <a:ext cx="10517176" cy="1527048"/>
-          </a:xfrm>
-        </p:spPr>
-        <p:txBody>
-          <a:bodyPr vert="horz" lIns="91440" tIns="45720" rIns="91440" bIns="45720" rtlCol="0" anchor="b">
-            <a:normAutofit/>
-          </a:bodyPr>
-          <a:lstStyle/>
-          <a:p>
-            <a:pPr marL="0" indent="0">
-              <a:spcBef>
-                <a:spcPts val="2500"/>
-              </a:spcBef>
-              <a:buNone/>
-            </a:pPr>
-            <a:r>
-              <a:rPr lang="pt-BR" sz="3600" dirty="0">
-                <a:latin typeface="Arial" panose="020B0604020202020204" pitchFamily="34" charset="0"/>
-                <a:cs typeface="Arial" panose="020B0604020202020204" pitchFamily="34" charset="0"/>
-              </a:rPr>
-              <a:t>Resum</a:t>
-            </a:r>
-            <a:r>
-              <a:rPr lang="pt-BR" dirty="0">
-                <a:latin typeface="Arial" panose="020B0604020202020204" pitchFamily="34" charset="0"/>
-                <a:cs typeface="Arial" panose="020B0604020202020204" pitchFamily="34" charset="0"/>
-              </a:rPr>
-              <a:t>o do Fluxo do Sistema</a:t>
-            </a:r>
-            <a:endParaRPr lang="pt-BR" sz="3600" dirty="0">
-              <a:latin typeface="Arial" panose="020B0604020202020204" pitchFamily="34" charset="0"/>
-              <a:cs typeface="Arial" panose="020B0604020202020204" pitchFamily="34" charset="0"/>
-            </a:endParaRPr>
-          </a:p>
-        </p:txBody>
-      </p:sp>
-      <p:sp>
-        <p:nvSpPr>
-          <p:cNvPr id="4" name="Espaço Reservado para Conteúdo 3">
-            <a:extLst>
-              <a:ext uri="{FF2B5EF4-FFF2-40B4-BE49-F238E27FC236}">
-                <a16:creationId xmlns:a16="http://schemas.microsoft.com/office/drawing/2014/main" id="{784F39B7-8DF3-EF44-7DC3-3046CC72137C}"/>
-              </a:ext>
-            </a:extLst>
-          </p:cNvPr>
-          <p:cNvSpPr>
-            <a:spLocks noGrp="1"/>
-          </p:cNvSpPr>
-          <p:nvPr>
-            <p:ph sz="half" idx="2"/>
-            <p:extLst>
-              <p:ext uri="{E7BDC344-281C-4309-B0C6-D0EE65EED2A8}">
-                <p202:designPr xmlns="" xmlns:p202="http://schemas.microsoft.com/office/powerpoint/2020/02/main">
-                  <p202:designTagLst>
-                    <p202:designTag name="ARCH:1:CLS" val="InformationBlock"/>
-                    <p202:designTag name="ARCH:1:VSVAR" val="TitledTextBox"/>
-                  </p202:designTagLst>
-                </p202:designPr>
-              </p:ext>
-            </p:extLst>
-          </p:nvPr>
-        </p:nvSpPr>
-        <p:spPr>
-          <a:xfrm>
-            <a:off x="571533" y="1527048"/>
-            <a:ext cx="10890664" cy="4095078"/>
-          </a:xfrm>
-        </p:spPr>
-        <p:txBody>
-          <a:bodyPr>
-            <a:normAutofit/>
-          </a:bodyPr>
-          <a:lstStyle/>
-          <a:p>
-            <a:pPr marL="342900" indent="-342900">
-              <a:spcBef>
-                <a:spcPts val="2500"/>
-              </a:spcBef>
-              <a:buFont typeface="+mj-lt"/>
-              <a:buAutoNum type="arabicPeriod"/>
-            </a:pPr>
-            <a:r>
-              <a:rPr lang="pt-BR" sz="1600" dirty="0">
-                <a:latin typeface="Arial" panose="020B0604020202020204" pitchFamily="34" charset="0"/>
-                <a:cs typeface="Arial" panose="020B0604020202020204" pitchFamily="34" charset="0"/>
-              </a:rPr>
-              <a:t>O almoxarifado cadastra novos materiais no sistema.</a:t>
-            </a:r>
-          </a:p>
-          <a:p>
-            <a:pPr marL="342900" indent="-342900">
-              <a:spcBef>
-                <a:spcPts val="2500"/>
-              </a:spcBef>
-              <a:buFont typeface="+mj-lt"/>
-              <a:buAutoNum type="arabicPeriod"/>
-            </a:pPr>
-            <a:r>
-              <a:rPr lang="pt-BR" sz="1600" dirty="0">
-                <a:latin typeface="Arial" panose="020B0604020202020204" pitchFamily="34" charset="0"/>
-                <a:cs typeface="Arial" panose="020B0604020202020204" pitchFamily="34" charset="0"/>
-              </a:rPr>
-              <a:t>A secretaria solicita materiais necessários para suas atividades.</a:t>
-            </a:r>
-          </a:p>
-          <a:p>
-            <a:pPr marL="342900" indent="-342900">
-              <a:spcBef>
-                <a:spcPts val="2500"/>
-              </a:spcBef>
-              <a:buFont typeface="+mj-lt"/>
-              <a:buAutoNum type="arabicPeriod"/>
-            </a:pPr>
-            <a:r>
-              <a:rPr lang="pt-BR" sz="1600" dirty="0">
-                <a:latin typeface="Arial" panose="020B0604020202020204" pitchFamily="34" charset="0"/>
-                <a:cs typeface="Arial" panose="020B0604020202020204" pitchFamily="34" charset="0"/>
-              </a:rPr>
-              <a:t>O almoxarifado avalia o pedido e realiza a separação do material solicitado.</a:t>
-            </a:r>
-          </a:p>
-          <a:p>
-            <a:pPr marL="342900" indent="-342900">
-              <a:spcBef>
-                <a:spcPts val="2500"/>
-              </a:spcBef>
-              <a:buFont typeface="+mj-lt"/>
-              <a:buAutoNum type="arabicPeriod"/>
-            </a:pPr>
-            <a:r>
-              <a:rPr lang="pt-BR" sz="1600" dirty="0">
-                <a:latin typeface="Arial" panose="020B0604020202020204" pitchFamily="34" charset="0"/>
-                <a:cs typeface="Arial" panose="020B0604020202020204" pitchFamily="34" charset="0"/>
-              </a:rPr>
-              <a:t>Após a entrega, o sistema atualiza o estoque e emite o comprovante da movimentação.</a:t>
-            </a:r>
-          </a:p>
-          <a:p>
-            <a:pPr marL="342900" indent="-342900">
-              <a:spcBef>
-                <a:spcPts val="2500"/>
-              </a:spcBef>
-              <a:buFont typeface="+mj-lt"/>
-              <a:buAutoNum type="arabicPeriod"/>
-            </a:pPr>
-            <a:r>
-              <a:rPr lang="pt-BR" sz="1600" dirty="0">
-                <a:latin typeface="Arial" panose="020B0604020202020204" pitchFamily="34" charset="0"/>
-                <a:cs typeface="Arial" panose="020B0604020202020204" pitchFamily="34" charset="0"/>
-              </a:rPr>
-              <a:t>Relatórios são gerados periodicamente para prestação de contas e auditoria interna.</a:t>
-            </a:r>
-          </a:p>
-        </p:txBody>
-      </p:sp>
-    </p:spTree>
-    <p:extLst>
-      <p:ext uri="{BB962C8B-B14F-4D97-AF65-F5344CB8AC3E}">
-        <p14:creationId xmlns:p14="http://schemas.microsoft.com/office/powerpoint/2010/main" val="1612116557"/>
-      </p:ext>
-    </p:extLst>
-  </p:cSld>
-  <p:clrMapOvr>
-    <a:masterClrMapping/>
-  </p:clrMapOvr>
-  <p:transition>
-    <p:fade/>
-  </p:transition>
-  <p:timing>
-    <p:tnLst>
-      <p:par>
-        <p:cTn id="1" dur="indefinite" restart="never" nodeType="tmRoot">
-          <p:childTnLst>
-            <p:seq concurrent="1" nextAc="seek">
-              <p:cTn id="2" dur="indefinite" nodeType="mainSeq">
-                <p:childTnLst>
-                  <p:par>
-                    <p:cTn id="3" fill="hold">
-                      <p:stCondLst>
-                        <p:cond delay="indefinite"/>
-                        <p:cond evt="onBegin" delay="0">
-                          <p:tn val="2"/>
-                        </p:cond>
-                      </p:stCondLst>
-                      <p:childTnLst>
-                        <p:par>
-                          <p:cTn id="4" fill="hold">
-                            <p:stCondLst>
-                              <p:cond delay="0"/>
-                            </p:stCondLst>
-                            <p:childTnLst>
-                              <p:par>
-                                <p:cTn id="5" presetID="42" presetClass="entr" presetSubtype="0" fill="hold" grpId="0" nodeType="withEffect">
-                                  <p:stCondLst>
-                                    <p:cond delay="250"/>
-                                  </p:stCondLst>
-                                  <p:iterate>
-                                    <p:tmPct val="10000"/>
-                                  </p:iterate>
-                                  <p:childTnLst>
-                                    <p:set>
-                                      <p:cBhvr>
-                                        <p:cTn id="6" dur="1" fill="hold">
-                                          <p:stCondLst>
-                                            <p:cond delay="0"/>
-                                          </p:stCondLst>
-                                        </p:cTn>
-                                        <p:tgtEl>
-                                          <p:spTgt spid="4"/>
-                                        </p:tgtEl>
-                                        <p:attrNameLst>
-                                          <p:attrName>style.visibility</p:attrName>
-                                        </p:attrNameLst>
-                                      </p:cBhvr>
-                                      <p:to>
-                                        <p:strVal val="visible"/>
-                                      </p:to>
-                                    </p:set>
-                                    <p:animEffect transition="in" filter="fade">
-                                      <p:cBhvr>
-                                        <p:cTn id="7" dur="250"/>
-                                        <p:tgtEl>
-                                          <p:spTgt spid="4"/>
-                                        </p:tgtEl>
-                                      </p:cBhvr>
-                                    </p:animEffect>
-                                    <p:anim calcmode="lin" valueType="num">
-                                      <p:cBhvr>
-                                        <p:cTn id="8" dur="250" fill="hold"/>
-                                        <p:tgtEl>
-                                          <p:spTgt spid="4"/>
-                                        </p:tgtEl>
-                                        <p:attrNameLst>
-                                          <p:attrName>ppt_x</p:attrName>
-                                        </p:attrNameLst>
-                                      </p:cBhvr>
-                                      <p:tavLst>
-                                        <p:tav tm="0">
-                                          <p:val>
-                                            <p:strVal val="#ppt_x"/>
-                                          </p:val>
-                                        </p:tav>
-                                        <p:tav tm="100000">
-                                          <p:val>
-                                            <p:strVal val="#ppt_x"/>
-                                          </p:val>
-                                        </p:tav>
-                                      </p:tavLst>
-                                    </p:anim>
-                                    <p:anim calcmode="lin" valueType="num">
-                                      <p:cBhvr>
-                                        <p:cTn id="9" dur="250" fill="hold"/>
-                                        <p:tgtEl>
-                                          <p:spTgt spid="4"/>
-                                        </p:tgtEl>
-                                        <p:attrNameLst>
-                                          <p:attrName>ppt_y</p:attrName>
-                                        </p:attrNameLst>
-                                      </p:cBhvr>
-                                      <p:tavLst>
-                                        <p:tav tm="0">
-                                          <p:val>
-                                            <p:strVal val="#ppt_y+.1"/>
-                                          </p:val>
-                                        </p:tav>
-                                        <p:tav tm="100000">
-                                          <p:val>
-                                            <p:strVal val="#ppt_y"/>
-                                          </p:val>
-                                        </p:tav>
-                                      </p:tavLst>
-                                    </p:anim>
-                                  </p:childTnLst>
-                                </p:cTn>
-                              </p:par>
-                            </p:childTnLst>
-                          </p:cTn>
-                        </p:par>
-                      </p:childTnLst>
-                    </p:cTn>
-                  </p:par>
-                </p:childTnLst>
-              </p:cTn>
-              <p:prevCondLst>
-                <p:cond evt="onPrev" delay="0">
-                  <p:tgtEl>
-                    <p:sldTgt/>
-                  </p:tgtEl>
-                </p:cond>
-              </p:prevCondLst>
-              <p:nextCondLst>
-                <p:cond evt="onNext" delay="0">
-                  <p:tgtEl>
-                    <p:sldTgt/>
-                  </p:tgtEl>
-                </p:cond>
-              </p:nextCondLst>
-            </p:seq>
-          </p:childTnLst>
-        </p:cTn>
-      </p:par>
-    </p:tnLst>
-    <p:bldLst>
-      <p:bldP spid="4" grpId="0"/>
-    </p:bldLst>
-  </p:timing>
-</p:sld>
-</file>
-
-<file path=ppt/slides/slide11.xml><?xml version="1.0" encoding="utf-8"?>
-<p:sld xmlns:a="http://schemas.openxmlformats.org/drawingml/2006/main" xmlns:r="http://schemas.openxmlformats.org/officeDocument/2006/relationships" xmlns:p="http://schemas.openxmlformats.org/presentationml/2006/main">
-  <p:cSld>
-    <p:bg>
-      <p:bgPr>
-        <a:solidFill>
-          <a:schemeClr val="bg1"/>
-        </a:solidFill>
-        <a:effectLst/>
-      </p:bgPr>
-    </p:bg>
-    <p:spTree>
-      <p:nvGrpSpPr>
-        <p:cNvPr id="1" name="">
-          <a:extLst>
-            <a:ext uri="{FF2B5EF4-FFF2-40B4-BE49-F238E27FC236}">
-              <a16:creationId xmlns:a16="http://schemas.microsoft.com/office/drawing/2014/main" id="{D42A7F83-F982-A2B6-8BDD-90AB35D5F33D}"/>
-            </a:ext>
-          </a:extLst>
-        </p:cNvPr>
-        <p:cNvGrpSpPr/>
-        <p:nvPr/>
-      </p:nvGrpSpPr>
-      <p:grpSpPr>
-        <a:xfrm>
-          <a:off x="0" y="0"/>
-          <a:ext cx="0" cy="0"/>
-          <a:chOff x="0" y="0"/>
-          <a:chExt cx="0" cy="0"/>
-        </a:xfrm>
-      </p:grpSpPr>
-      <p:sp useBgFill="1">
-        <p:nvSpPr>
-          <p:cNvPr id="10" name="Rectangle 9">
-            <a:extLst>
-              <a:ext uri="{FF2B5EF4-FFF2-40B4-BE49-F238E27FC236}">
-                <a16:creationId xmlns:a16="http://schemas.microsoft.com/office/drawing/2014/main" id="{74EA76C7-8C08-E029-0E79-750B71C94A62}"/>
-              </a:ext>
-              <a:ext uri="{C183D7F6-B498-43B3-948B-1728B52AA6E4}">
-                <adec:decorative xmlns="" xmlns:adec="http://schemas.microsoft.com/office/drawing/2017/decorative" val="1"/>
+                <adec:decorative xmlns:adec="http://schemas.microsoft.com/office/drawing/2017/decorative" xmlns="" val="1"/>
               </a:ext>
             </a:extLst>
           </p:cNvPr>
@@ -7941,7 +7510,7 @@
 </p:sld>
 </file>
 
-<file path=ppt/slides/slide12.xml><?xml version="1.0" encoding="utf-8"?>
+<file path=ppt/slides/slide11.xml><?xml version="1.0" encoding="utf-8"?>
 <p:sld xmlns:a="http://schemas.openxmlformats.org/drawingml/2006/main" xmlns:r="http://schemas.openxmlformats.org/officeDocument/2006/relationships" xmlns:p="http://schemas.openxmlformats.org/presentationml/2006/main">
   <p:cSld>
     <p:bg>
@@ -7974,7 +7543,7 @@
                 <a16:creationId xmlns:a16="http://schemas.microsoft.com/office/drawing/2014/main" id="{5E8D3B17-7638-DFD3-18E4-8A6D611749CF}"/>
               </a:ext>
               <a:ext uri="{C183D7F6-B498-43B3-948B-1728B52AA6E4}">
-                <adec:decorative xmlns="" xmlns:adec="http://schemas.microsoft.com/office/drawing/2017/decorative" val="1"/>
+                <adec:decorative xmlns:adec="http://schemas.microsoft.com/office/drawing/2017/decorative" xmlns="" val="1"/>
               </a:ext>
             </a:extLst>
           </p:cNvPr>
@@ -8370,7 +7939,7 @@
 </p:sld>
 </file>
 
-<file path=ppt/slides/slide13.xml><?xml version="1.0" encoding="utf-8"?>
+<file path=ppt/slides/slide12.xml><?xml version="1.0" encoding="utf-8"?>
 <p:sld xmlns:a="http://schemas.openxmlformats.org/drawingml/2006/main" xmlns:r="http://schemas.openxmlformats.org/officeDocument/2006/relationships" xmlns:p="http://schemas.openxmlformats.org/presentationml/2006/main">
   <p:cSld>
     <p:bg>
@@ -8409,7 +7978,7 @@
                 <a16:creationId xmlns:a16="http://schemas.microsoft.com/office/drawing/2014/main" id="{B8ADE68D-5E75-5D63-4B8C-6BEFCE9D06E3}"/>
               </a:ext>
               <a:ext uri="{C183D7F6-B498-43B3-948B-1728B52AA6E4}">
-                <adec:decorative xmlns="" xmlns:adec="http://schemas.microsoft.com/office/drawing/2017/decorative" val="1"/>
+                <adec:decorative xmlns:adec="http://schemas.microsoft.com/office/drawing/2017/decorative" xmlns="" val="1"/>
               </a:ext>
             </a:extLst>
           </p:cNvPr>
@@ -8527,58 +8096,6 @@
       </p:sp>
       <p:sp>
         <p:nvSpPr>
-          <p:cNvPr id="6" name="Retângulo 5">
-            <a:extLst>
-              <a:ext uri="{FF2B5EF4-FFF2-40B4-BE49-F238E27FC236}">
-                <a16:creationId xmlns:a16="http://schemas.microsoft.com/office/drawing/2014/main" id="{39E8B432-F54E-ED48-B2A1-9E05B0A0AC60}"/>
-              </a:ext>
-            </a:extLst>
-          </p:cNvPr>
-          <p:cNvSpPr/>
-          <p:nvPr/>
-        </p:nvSpPr>
-        <p:spPr>
-          <a:xfrm>
-            <a:off x="3318773" y="4037373"/>
-            <a:ext cx="2424448" cy="888642"/>
-          </a:xfrm>
-          <a:prstGeom prst="rect">
-            <a:avLst/>
-          </a:prstGeom>
-          <a:solidFill>
-            <a:srgbClr val="7030A0"/>
-          </a:solidFill>
-        </p:spPr>
-        <p:style>
-          <a:lnRef idx="2">
-            <a:schemeClr val="accent1">
-              <a:shade val="15000"/>
-            </a:schemeClr>
-          </a:lnRef>
-          <a:fillRef idx="1">
-            <a:schemeClr val="accent1"/>
-          </a:fillRef>
-          <a:effectRef idx="0">
-            <a:schemeClr val="accent1"/>
-          </a:effectRef>
-          <a:fontRef idx="minor">
-            <a:schemeClr val="lt1"/>
-          </a:fontRef>
-        </p:style>
-        <p:txBody>
-          <a:bodyPr rtlCol="0" anchor="ctr"/>
-          <a:lstStyle/>
-          <a:p>
-            <a:pPr algn="ctr"/>
-            <a:r>
-              <a:rPr lang="pt-BR" dirty="0"/>
-              <a:t>PRODUTO</a:t>
-            </a:r>
-          </a:p>
-        </p:txBody>
-      </p:sp>
-      <p:sp>
-        <p:nvSpPr>
           <p:cNvPr id="7" name="Retângulo 6">
             <a:extLst>
               <a:ext uri="{FF2B5EF4-FFF2-40B4-BE49-F238E27FC236}">
@@ -9079,59 +8596,6 @@
       </p:sp>
       <p:sp>
         <p:nvSpPr>
-          <p:cNvPr id="21" name="Retângulo 20">
-            <a:extLst>
-              <a:ext uri="{FF2B5EF4-FFF2-40B4-BE49-F238E27FC236}">
-                <a16:creationId xmlns:a16="http://schemas.microsoft.com/office/drawing/2014/main" id="{39E8B432-F54E-ED48-B2A1-9E05B0A0AC60}"/>
-              </a:ext>
-            </a:extLst>
-          </p:cNvPr>
-          <p:cNvSpPr/>
-          <p:nvPr/>
-        </p:nvSpPr>
-        <p:spPr>
-          <a:xfrm>
-            <a:off x="9457034" y="3962159"/>
-            <a:ext cx="2226656" cy="888642"/>
-          </a:xfrm>
-          <a:prstGeom prst="rect">
-            <a:avLst/>
-          </a:prstGeom>
-          <a:solidFill>
-            <a:srgbClr val="7030A0"/>
-          </a:solidFill>
-        </p:spPr>
-        <p:style>
-          <a:lnRef idx="2">
-            <a:schemeClr val="accent1">
-              <a:shade val="15000"/>
-            </a:schemeClr>
-          </a:lnRef>
-          <a:fillRef idx="1">
-            <a:schemeClr val="accent1"/>
-          </a:fillRef>
-          <a:effectRef idx="0">
-            <a:schemeClr val="accent1"/>
-          </a:effectRef>
-          <a:fontRef idx="minor">
-            <a:schemeClr val="lt1"/>
-          </a:fontRef>
-        </p:style>
-        <p:txBody>
-          <a:bodyPr rtlCol="0" anchor="ctr"/>
-          <a:lstStyle/>
-          <a:p>
-            <a:pPr algn="ctr"/>
-            <a:r>
-              <a:rPr lang="pt-BR" dirty="0" smtClean="0"/>
-              <a:t>SECRETARIA</a:t>
-            </a:r>
-            <a:endParaRPr lang="pt-BR" dirty="0"/>
-          </a:p>
-        </p:txBody>
-      </p:sp>
-      <p:sp>
-        <p:nvSpPr>
           <p:cNvPr id="22" name="Losango 21">
             <a:extLst>
               <a:ext uri="{FF2B5EF4-FFF2-40B4-BE49-F238E27FC236}">
@@ -10083,6 +9547,111 @@
               <a:rPr lang="pt-BR" dirty="0"/>
               <a:t>N</a:t>
             </a:r>
+          </a:p>
+        </p:txBody>
+      </p:sp>
+      <p:sp>
+        <p:nvSpPr>
+          <p:cNvPr id="6" name="Retângulo 5">
+            <a:extLst>
+              <a:ext uri="{FF2B5EF4-FFF2-40B4-BE49-F238E27FC236}">
+                <a16:creationId xmlns:a16="http://schemas.microsoft.com/office/drawing/2014/main" id="{39E8B432-F54E-ED48-B2A1-9E05B0A0AC60}"/>
+              </a:ext>
+            </a:extLst>
+          </p:cNvPr>
+          <p:cNvSpPr/>
+          <p:nvPr/>
+        </p:nvSpPr>
+        <p:spPr>
+          <a:xfrm>
+            <a:off x="3318773" y="4037373"/>
+            <a:ext cx="2424448" cy="888642"/>
+          </a:xfrm>
+          <a:prstGeom prst="rect">
+            <a:avLst/>
+          </a:prstGeom>
+          <a:solidFill>
+            <a:srgbClr val="7030A0"/>
+          </a:solidFill>
+        </p:spPr>
+        <p:style>
+          <a:lnRef idx="2">
+            <a:schemeClr val="accent1">
+              <a:shade val="15000"/>
+            </a:schemeClr>
+          </a:lnRef>
+          <a:fillRef idx="1">
+            <a:schemeClr val="accent1"/>
+          </a:fillRef>
+          <a:effectRef idx="0">
+            <a:schemeClr val="accent1"/>
+          </a:effectRef>
+          <a:fontRef idx="minor">
+            <a:schemeClr val="lt1"/>
+          </a:fontRef>
+        </p:style>
+        <p:txBody>
+          <a:bodyPr rtlCol="0" anchor="ctr"/>
+          <a:lstStyle/>
+          <a:p>
+            <a:pPr algn="ctr"/>
+            <a:r>
+              <a:rPr lang="pt-BR" dirty="0"/>
+              <a:t>PRODUTO</a:t>
+            </a:r>
+          </a:p>
+        </p:txBody>
+      </p:sp>
+      <p:sp>
+        <p:nvSpPr>
+          <p:cNvPr id="21" name="Retângulo 20">
+            <a:extLst>
+              <a:ext uri="{FF2B5EF4-FFF2-40B4-BE49-F238E27FC236}">
+                <a16:creationId xmlns:a16="http://schemas.microsoft.com/office/drawing/2014/main" id="{39E8B432-F54E-ED48-B2A1-9E05B0A0AC60}"/>
+              </a:ext>
+            </a:extLst>
+          </p:cNvPr>
+          <p:cNvSpPr/>
+          <p:nvPr/>
+        </p:nvSpPr>
+        <p:spPr>
+          <a:xfrm>
+            <a:off x="9457034" y="3962159"/>
+            <a:ext cx="2226656" cy="888642"/>
+          </a:xfrm>
+          <a:prstGeom prst="rect">
+            <a:avLst/>
+          </a:prstGeom>
+          <a:solidFill>
+            <a:srgbClr val="7030A0"/>
+          </a:solidFill>
+        </p:spPr>
+        <p:style>
+          <a:lnRef idx="2">
+            <a:schemeClr val="accent1">
+              <a:shade val="15000"/>
+            </a:schemeClr>
+          </a:lnRef>
+          <a:fillRef idx="1">
+            <a:schemeClr val="accent1"/>
+          </a:fillRef>
+          <a:effectRef idx="0">
+            <a:schemeClr val="accent1"/>
+          </a:effectRef>
+          <a:fontRef idx="minor">
+            <a:schemeClr val="lt1"/>
+          </a:fontRef>
+        </p:style>
+        <p:txBody>
+          <a:bodyPr rtlCol="0" anchor="ctr"/>
+          <a:lstStyle/>
+          <a:p>
+            <a:pPr algn="ctr"/>
+            <a:r>
+              <a:rPr lang="pt-BR" dirty="0" smtClean="0"/>
+              <a:t>SECRETARIA</a:t>
+            </a:r>
+            <a:endParaRPr lang="pt-BR" dirty="0"/>
           </a:p>
         </p:txBody>
       </p:sp>
@@ -10109,7 +9678,7 @@
 </p:sld>
 </file>
 
-<file path=ppt/slides/slide14.xml><?xml version="1.0" encoding="utf-8"?>
+<file path=ppt/slides/slide13.xml><?xml version="1.0" encoding="utf-8"?>
 <p:sld xmlns:a="http://schemas.openxmlformats.org/drawingml/2006/main" xmlns:r="http://schemas.openxmlformats.org/officeDocument/2006/relationships" xmlns:p="http://schemas.openxmlformats.org/presentationml/2006/main">
   <p:cSld>
     <p:spTree>
@@ -11094,7 +10663,7 @@
 </p:sld>
 </file>
 
-<file path=ppt/slides/slide15.xml><?xml version="1.0" encoding="utf-8"?>
+<file path=ppt/slides/slide14.xml><?xml version="1.0" encoding="utf-8"?>
 <p:sld xmlns:a="http://schemas.openxmlformats.org/drawingml/2006/main" xmlns:r="http://schemas.openxmlformats.org/officeDocument/2006/relationships" xmlns:p="http://schemas.openxmlformats.org/presentationml/2006/main">
   <p:cSld>
     <p:bg>
@@ -11133,7 +10702,7 @@
                 <a16:creationId xmlns:a16="http://schemas.microsoft.com/office/drawing/2014/main" id="{8450EF29-A29A-9417-2B09-074C04064425}"/>
               </a:ext>
               <a:ext uri="{C183D7F6-B498-43B3-948B-1728B52AA6E4}">
-                <adec:decorative xmlns="" xmlns:adec="http://schemas.microsoft.com/office/drawing/2017/decorative" val="1"/>
+                <adec:decorative xmlns:adec="http://schemas.microsoft.com/office/drawing/2017/decorative" xmlns="" val="1"/>
               </a:ext>
             </a:extLst>
           </p:cNvPr>
@@ -11751,7 +11320,7 @@
 </p:sld>
 </file>
 
-<file path=ppt/slides/slide16.xml><?xml version="1.0" encoding="utf-8"?>
+<file path=ppt/slides/slide15.xml><?xml version="1.0" encoding="utf-8"?>
 <p:sld xmlns:a="http://schemas.openxmlformats.org/drawingml/2006/main" xmlns:r="http://schemas.openxmlformats.org/officeDocument/2006/relationships" xmlns:p="http://schemas.openxmlformats.org/presentationml/2006/main">
   <p:cSld>
     <p:bg>
@@ -11790,7 +11359,7 @@
                 <a16:creationId xmlns:a16="http://schemas.microsoft.com/office/drawing/2014/main" id="{8450EF29-A29A-9417-2B09-074C04064425}"/>
               </a:ext>
               <a:ext uri="{C183D7F6-B498-43B3-948B-1728B52AA6E4}">
-                <adec:decorative xmlns="" xmlns:adec="http://schemas.microsoft.com/office/drawing/2017/decorative" val="1"/>
+                <adec:decorative xmlns:adec="http://schemas.microsoft.com/office/drawing/2017/decorative" xmlns="" val="1"/>
               </a:ext>
             </a:extLst>
           </p:cNvPr>
@@ -12443,7 +12012,7 @@
 </p:sld>
 </file>
 
-<file path=ppt/slides/slide17.xml><?xml version="1.0" encoding="utf-8"?>
+<file path=ppt/slides/slide16.xml><?xml version="1.0" encoding="utf-8"?>
 <p:sld xmlns:a="http://schemas.openxmlformats.org/drawingml/2006/main" xmlns:r="http://schemas.openxmlformats.org/officeDocument/2006/relationships" xmlns:p="http://schemas.openxmlformats.org/presentationml/2006/main">
   <p:cSld>
     <p:bg>
@@ -12482,7 +12051,7 @@
                 <a16:creationId xmlns:a16="http://schemas.microsoft.com/office/drawing/2014/main" id="{8450EF29-A29A-9417-2B09-074C04064425}"/>
               </a:ext>
               <a:ext uri="{C183D7F6-B498-43B3-948B-1728B52AA6E4}">
-                <adec:decorative xmlns="" xmlns:adec="http://schemas.microsoft.com/office/drawing/2017/decorative" val="1"/>
+                <adec:decorative xmlns:adec="http://schemas.microsoft.com/office/drawing/2017/decorative" xmlns="" val="1"/>
               </a:ext>
             </a:extLst>
           </p:cNvPr>
@@ -13210,6 +12779,774 @@
 </p:sld>
 </file>
 
+<file path=ppt/slides/slide17.xml><?xml version="1.0" encoding="utf-8"?>
+<p:sld xmlns:a="http://schemas.openxmlformats.org/drawingml/2006/main" xmlns:r="http://schemas.openxmlformats.org/officeDocument/2006/relationships" xmlns:p="http://schemas.openxmlformats.org/presentationml/2006/main">
+  <p:cSld>
+    <p:bg>
+      <p:bgPr>
+        <a:solidFill>
+          <a:schemeClr val="bg1"/>
+        </a:solidFill>
+        <a:effectLst/>
+      </p:bgPr>
+    </p:bg>
+    <p:spTree>
+      <p:nvGrpSpPr>
+        <p:cNvPr id="1" name="">
+          <a:extLst>
+            <a:ext uri="{FF2B5EF4-FFF2-40B4-BE49-F238E27FC236}">
+              <a16:creationId xmlns:a16="http://schemas.microsoft.com/office/drawing/2014/main" id="{ABC8E265-4279-B925-FBC6-668AF72F0DCF}"/>
+            </a:ext>
+          </a:extLst>
+        </p:cNvPr>
+        <p:cNvGrpSpPr/>
+        <p:nvPr/>
+      </p:nvGrpSpPr>
+      <p:grpSpPr>
+        <a:xfrm>
+          <a:off x="0" y="0"/>
+          <a:ext cx="0" cy="0"/>
+          <a:chOff x="0" y="0"/>
+          <a:chExt cx="0" cy="0"/>
+        </a:xfrm>
+      </p:grpSpPr>
+      <p:sp useBgFill="1">
+        <p:nvSpPr>
+          <p:cNvPr id="10" name="Rectangle 9">
+            <a:extLst>
+              <a:ext uri="{FF2B5EF4-FFF2-40B4-BE49-F238E27FC236}">
+                <a16:creationId xmlns:a16="http://schemas.microsoft.com/office/drawing/2014/main" id="{8450EF29-A29A-9417-2B09-074C04064425}"/>
+              </a:ext>
+              <a:ext uri="{C183D7F6-B498-43B3-948B-1728B52AA6E4}">
+                <adec:decorative xmlns:adec="http://schemas.microsoft.com/office/drawing/2017/decorative" xmlns="" val="1"/>
+              </a:ext>
+            </a:extLst>
+          </p:cNvPr>
+          <p:cNvSpPr>
+            <a:spLocks noGrp="1" noRot="1" noChangeAspect="1" noMove="1" noResize="1" noEditPoints="1" noAdjustHandles="1" noChangeArrowheads="1" noChangeShapeType="1" noTextEdit="1"/>
+          </p:cNvSpPr>
+          <p:nvPr>
+            <p:extLst>
+              <p:ext uri="{386F3935-93C4-4BCD-93E2-E3B085C9AB24}">
+                <p16:designElem xmlns:p16="http://schemas.microsoft.com/office/powerpoint/2015/main" val="1"/>
+              </p:ext>
+            </p:extLst>
+          </p:nvPr>
+        </p:nvSpPr>
+        <p:spPr>
+          <a:xfrm>
+            <a:off x="0" y="0"/>
+            <a:ext cx="12192000" cy="6858000"/>
+          </a:xfrm>
+          <a:prstGeom prst="rect">
+            <a:avLst/>
+          </a:prstGeom>
+          <a:ln w="12700" cap="flat" cmpd="sng" algn="ctr">
+            <a:noFill/>
+            <a:prstDash val="solid"/>
+            <a:miter lim="800000"/>
+          </a:ln>
+          <a:effectLst/>
+          <a:extLst>
+            <a:ext uri="{91240B29-F687-4F45-9708-019B960494DF}">
+              <a14:hiddenLine xmlns:a14="http://schemas.microsoft.com/office/drawing/2010/main" w="12700" cap="flat" cmpd="sng" algn="ctr">
+                <a:solidFill>
+                  <a:schemeClr val="accent1">
+                    <a:shade val="15000"/>
+                  </a:schemeClr>
+                </a:solidFill>
+                <a:prstDash val="solid"/>
+                <a:miter lim="800000"/>
+              </a14:hiddenLine>
+            </a:ext>
+          </a:extLst>
+        </p:spPr>
+        <p:style>
+          <a:lnRef idx="2">
+            <a:schemeClr val="accent1">
+              <a:shade val="15000"/>
+            </a:schemeClr>
+          </a:lnRef>
+          <a:fillRef idx="1">
+            <a:schemeClr val="accent1"/>
+          </a:fillRef>
+          <a:effectRef idx="0">
+            <a:schemeClr val="accent1"/>
+          </a:effectRef>
+          <a:fontRef idx="minor">
+            <a:schemeClr val="lt1"/>
+          </a:fontRef>
+        </p:style>
+        <p:txBody>
+          <a:bodyPr rtlCol="0" anchor="ctr"/>
+          <a:lstStyle/>
+          <a:p>
+            <a:pPr algn="ctr"/>
+            <a:endParaRPr lang="en-US"/>
+          </a:p>
+        </p:txBody>
+      </p:sp>
+      <p:sp>
+        <p:nvSpPr>
+          <p:cNvPr id="2" name="Título 1">
+            <a:extLst>
+              <a:ext uri="{FF2B5EF4-FFF2-40B4-BE49-F238E27FC236}">
+                <a16:creationId xmlns:a16="http://schemas.microsoft.com/office/drawing/2014/main" id="{4088EF13-93E0-2A25-DAC4-430EED1B9C18}"/>
+              </a:ext>
+            </a:extLst>
+          </p:cNvPr>
+          <p:cNvSpPr>
+            <a:spLocks noGrp="1"/>
+          </p:cNvSpPr>
+          <p:nvPr>
+            <p:ph type="title"/>
+          </p:nvPr>
+        </p:nvSpPr>
+        <p:spPr>
+          <a:xfrm>
+            <a:off x="468503" y="0"/>
+            <a:ext cx="10517176" cy="1527048"/>
+          </a:xfrm>
+        </p:spPr>
+        <p:txBody>
+          <a:bodyPr vert="horz" lIns="91440" tIns="45720" rIns="91440" bIns="45720" rtlCol="0" anchor="b">
+            <a:normAutofit/>
+          </a:bodyPr>
+          <a:lstStyle/>
+          <a:p>
+            <a:pPr>
+              <a:spcBef>
+                <a:spcPts val="2500"/>
+              </a:spcBef>
+            </a:pPr>
+            <a:r>
+              <a:rPr lang="pt-BR" dirty="0">
+                <a:latin typeface="Arial" panose="020B0604020202020204" pitchFamily="34" charset="0"/>
+                <a:cs typeface="Arial" panose="020B0604020202020204" pitchFamily="34" charset="0"/>
+              </a:rPr>
+              <a:t>DICIONÁRIO DE </a:t>
+            </a:r>
+            <a:r>
+              <a:rPr lang="pt-BR" dirty="0" smtClean="0">
+                <a:latin typeface="Arial" panose="020B0604020202020204" pitchFamily="34" charset="0"/>
+                <a:cs typeface="Arial" panose="020B0604020202020204" pitchFamily="34" charset="0"/>
+              </a:rPr>
+              <a:t>DADOS</a:t>
+            </a:r>
+            <a:endParaRPr lang="pt-BR" sz="3600" dirty="0">
+              <a:latin typeface="Arial" panose="020B0604020202020204" pitchFamily="34" charset="0"/>
+              <a:cs typeface="Arial" panose="020B0604020202020204" pitchFamily="34" charset="0"/>
+            </a:endParaRPr>
+          </a:p>
+        </p:txBody>
+      </p:sp>
+      <p:graphicFrame>
+        <p:nvGraphicFramePr>
+          <p:cNvPr id="9" name="Espaço Reservado para Conteúdo 8">
+            <a:extLst>
+              <a:ext uri="{FF2B5EF4-FFF2-40B4-BE49-F238E27FC236}">
+                <a16:creationId xmlns:a16="http://schemas.microsoft.com/office/drawing/2014/main" id="{AE6A2ECC-39B2-D582-178A-3B96D8FBBBF5}"/>
+              </a:ext>
+            </a:extLst>
+          </p:cNvPr>
+          <p:cNvGraphicFramePr>
+            <a:graphicFrameLocks noGrp="1"/>
+          </p:cNvGraphicFramePr>
+          <p:nvPr>
+            <p:ph sz="half" idx="2"/>
+            <p:extLst>
+              <p:ext uri="{D42A27DB-BD31-4B8C-83A1-F6EECF244321}">
+                <p14:modId xmlns:p14="http://schemas.microsoft.com/office/powerpoint/2010/main" val="3264168369"/>
+              </p:ext>
+            </p:extLst>
+          </p:nvPr>
+        </p:nvGraphicFramePr>
+        <p:xfrm>
+          <a:off x="566670" y="2250628"/>
+          <a:ext cx="10071279" cy="3677168"/>
+        </p:xfrm>
+        <a:graphic>
+          <a:graphicData uri="http://schemas.openxmlformats.org/drawingml/2006/table">
+            <a:tbl>
+              <a:tblPr firstRow="1" bandRow="1">
+                <a:tableStyleId>{5C22544A-7EE6-4342-B048-85BDC9FD1C3A}</a:tableStyleId>
+              </a:tblPr>
+              <a:tblGrid>
+                <a:gridCol w="3357093">
+                  <a:extLst>
+                    <a:ext uri="{9D8B030D-6E8A-4147-A177-3AD203B41FA5}">
+                      <a16:colId xmlns:a16="http://schemas.microsoft.com/office/drawing/2014/main" val="1759235190"/>
+                    </a:ext>
+                  </a:extLst>
+                </a:gridCol>
+                <a:gridCol w="3357093">
+                  <a:extLst>
+                    <a:ext uri="{9D8B030D-6E8A-4147-A177-3AD203B41FA5}">
+                      <a16:colId xmlns:a16="http://schemas.microsoft.com/office/drawing/2014/main" val="2611790632"/>
+                    </a:ext>
+                  </a:extLst>
+                </a:gridCol>
+                <a:gridCol w="3357093">
+                  <a:extLst>
+                    <a:ext uri="{9D8B030D-6E8A-4147-A177-3AD203B41FA5}">
+                      <a16:colId xmlns:a16="http://schemas.microsoft.com/office/drawing/2014/main" val="2783851260"/>
+                    </a:ext>
+                  </a:extLst>
+                </a:gridCol>
+              </a:tblGrid>
+              <a:tr h="370840">
+                <a:tc>
+                  <a:txBody>
+                    <a:bodyPr/>
+                    <a:lstStyle/>
+                    <a:p>
+                      <a:r>
+                        <a:rPr lang="pt-BR" dirty="0"/>
+                        <a:t>Campo</a:t>
+                      </a:r>
+                    </a:p>
+                  </a:txBody>
+                  <a:tcPr/>
+                </a:tc>
+                <a:tc>
+                  <a:txBody>
+                    <a:bodyPr/>
+                    <a:lstStyle/>
+                    <a:p>
+                      <a:r>
+                        <a:rPr lang="pt-BR" dirty="0"/>
+                        <a:t>Tipo de Dados</a:t>
+                      </a:r>
+                    </a:p>
+                  </a:txBody>
+                  <a:tcPr/>
+                </a:tc>
+                <a:tc>
+                  <a:txBody>
+                    <a:bodyPr/>
+                    <a:lstStyle/>
+                    <a:p>
+                      <a:r>
+                        <a:rPr lang="pt-BR" dirty="0"/>
+                        <a:t>OBS</a:t>
+                      </a:r>
+                    </a:p>
+                  </a:txBody>
+                  <a:tcPr/>
+                </a:tc>
+                <a:extLst>
+                  <a:ext uri="{0D108BD9-81ED-4DB2-BD59-A6C34878D82A}">
+                    <a16:rowId xmlns:a16="http://schemas.microsoft.com/office/drawing/2014/main" val="996086151"/>
+                  </a:ext>
+                </a:extLst>
+              </a:tr>
+              <a:tr h="370840">
+                <a:tc>
+                  <a:txBody>
+                    <a:bodyPr/>
+                    <a:lstStyle/>
+                    <a:p>
+                      <a:r>
+                        <a:rPr lang="pt-BR" dirty="0" smtClean="0"/>
+                        <a:t>Código</a:t>
+                      </a:r>
+                      <a:endParaRPr lang="pt-BR" dirty="0"/>
+                    </a:p>
+                  </a:txBody>
+                  <a:tcPr/>
+                </a:tc>
+                <a:tc>
+                  <a:txBody>
+                    <a:bodyPr/>
+                    <a:lstStyle/>
+                    <a:p>
+                      <a:r>
+                        <a:rPr lang="pt-BR" dirty="0" err="1"/>
+                        <a:t>Int</a:t>
+                      </a:r>
+                      <a:endParaRPr lang="pt-BR" dirty="0"/>
+                    </a:p>
+                  </a:txBody>
+                  <a:tcPr/>
+                </a:tc>
+                <a:tc>
+                  <a:txBody>
+                    <a:bodyPr/>
+                    <a:lstStyle/>
+                    <a:p>
+                      <a:r>
+                        <a:rPr lang="pt-BR" dirty="0"/>
+                        <a:t>Chave </a:t>
+                      </a:r>
+                      <a:r>
+                        <a:rPr lang="pt-BR" dirty="0" smtClean="0"/>
+                        <a:t>Primária (</a:t>
+                      </a:r>
+                      <a:r>
+                        <a:rPr lang="pt-BR" dirty="0" err="1" smtClean="0"/>
+                        <a:t>autonúmerico</a:t>
+                      </a:r>
+                      <a:r>
+                        <a:rPr lang="pt-BR" dirty="0" smtClean="0"/>
+                        <a:t>)</a:t>
+                      </a:r>
+                      <a:endParaRPr lang="pt-BR" dirty="0"/>
+                    </a:p>
+                  </a:txBody>
+                  <a:tcPr/>
+                </a:tc>
+                <a:extLst>
+                  <a:ext uri="{0D108BD9-81ED-4DB2-BD59-A6C34878D82A}">
+                    <a16:rowId xmlns:a16="http://schemas.microsoft.com/office/drawing/2014/main" val="1004326904"/>
+                  </a:ext>
+                </a:extLst>
+              </a:tr>
+              <a:tr h="370840">
+                <a:tc>
+                  <a:txBody>
+                    <a:bodyPr/>
+                    <a:lstStyle/>
+                    <a:p>
+                      <a:r>
+                        <a:rPr lang="pt-BR" dirty="0" err="1" smtClean="0"/>
+                        <a:t>NomeSecretaria</a:t>
+                      </a:r>
+                      <a:endParaRPr lang="pt-BR" dirty="0"/>
+                    </a:p>
+                  </a:txBody>
+                  <a:tcPr/>
+                </a:tc>
+                <a:tc>
+                  <a:txBody>
+                    <a:bodyPr/>
+                    <a:lstStyle/>
+                    <a:p>
+                      <a:r>
+                        <a:rPr lang="pt-BR" dirty="0" err="1"/>
+                        <a:t>Varchar</a:t>
+                      </a:r>
+                      <a:r>
+                        <a:rPr lang="pt-BR" dirty="0"/>
+                        <a:t>(100)</a:t>
+                      </a:r>
+                    </a:p>
+                  </a:txBody>
+                  <a:tcPr/>
+                </a:tc>
+                <a:tc>
+                  <a:txBody>
+                    <a:bodyPr/>
+                    <a:lstStyle/>
+                    <a:p>
+                      <a:endParaRPr lang="pt-BR" dirty="0"/>
+                    </a:p>
+                  </a:txBody>
+                  <a:tcPr/>
+                </a:tc>
+                <a:extLst>
+                  <a:ext uri="{0D108BD9-81ED-4DB2-BD59-A6C34878D82A}">
+                    <a16:rowId xmlns:a16="http://schemas.microsoft.com/office/drawing/2014/main" val="1354368322"/>
+                  </a:ext>
+                </a:extLst>
+              </a:tr>
+              <a:tr h="441208">
+                <a:tc>
+                  <a:txBody>
+                    <a:bodyPr/>
+                    <a:lstStyle/>
+                    <a:p>
+                      <a:r>
+                        <a:rPr lang="pt-BR" dirty="0" err="1" smtClean="0"/>
+                        <a:t>Endereco</a:t>
+                      </a:r>
+                      <a:endParaRPr lang="pt-BR" dirty="0"/>
+                    </a:p>
+                  </a:txBody>
+                  <a:tcPr/>
+                </a:tc>
+                <a:tc>
+                  <a:txBody>
+                    <a:bodyPr/>
+                    <a:lstStyle/>
+                    <a:p>
+                      <a:r>
+                        <a:rPr lang="pt-BR" dirty="0" err="1" smtClean="0"/>
+                        <a:t>Varchar</a:t>
+                      </a:r>
+                      <a:r>
+                        <a:rPr lang="pt-BR" dirty="0" smtClean="0"/>
+                        <a:t>(100)</a:t>
+                      </a:r>
+                      <a:endParaRPr lang="pt-BR" dirty="0"/>
+                    </a:p>
+                  </a:txBody>
+                  <a:tcPr/>
+                </a:tc>
+                <a:tc>
+                  <a:txBody>
+                    <a:bodyPr/>
+                    <a:lstStyle/>
+                    <a:p>
+                      <a:endParaRPr lang="pt-BR" dirty="0"/>
+                    </a:p>
+                  </a:txBody>
+                  <a:tcPr/>
+                </a:tc>
+                <a:extLst>
+                  <a:ext uri="{0D108BD9-81ED-4DB2-BD59-A6C34878D82A}">
+                    <a16:rowId xmlns:a16="http://schemas.microsoft.com/office/drawing/2014/main" val="275426533"/>
+                  </a:ext>
+                </a:extLst>
+              </a:tr>
+              <a:tr h="370840">
+                <a:tc>
+                  <a:txBody>
+                    <a:bodyPr/>
+                    <a:lstStyle/>
+                    <a:p>
+                      <a:r>
+                        <a:rPr lang="pt-BR" dirty="0" smtClean="0"/>
+                        <a:t>Bairro</a:t>
+                      </a:r>
+                      <a:endParaRPr lang="pt-BR" dirty="0"/>
+                    </a:p>
+                  </a:txBody>
+                  <a:tcPr/>
+                </a:tc>
+                <a:tc>
+                  <a:txBody>
+                    <a:bodyPr/>
+                    <a:lstStyle/>
+                    <a:p>
+                      <a:r>
+                        <a:rPr lang="pt-BR" dirty="0" err="1" smtClean="0"/>
+                        <a:t>Varchar</a:t>
+                      </a:r>
+                      <a:r>
+                        <a:rPr lang="pt-BR" dirty="0" smtClean="0"/>
+                        <a:t>(100)</a:t>
+                      </a:r>
+                      <a:endParaRPr lang="pt-BR" dirty="0"/>
+                    </a:p>
+                  </a:txBody>
+                  <a:tcPr/>
+                </a:tc>
+                <a:tc>
+                  <a:txBody>
+                    <a:bodyPr/>
+                    <a:lstStyle/>
+                    <a:p>
+                      <a:endParaRPr lang="pt-BR" dirty="0"/>
+                    </a:p>
+                  </a:txBody>
+                  <a:tcPr/>
+                </a:tc>
+                <a:extLst>
+                  <a:ext uri="{0D108BD9-81ED-4DB2-BD59-A6C34878D82A}">
+                    <a16:rowId xmlns:a16="http://schemas.microsoft.com/office/drawing/2014/main" val="2790910923"/>
+                  </a:ext>
+                </a:extLst>
+              </a:tr>
+              <a:tr h="370840">
+                <a:tc>
+                  <a:txBody>
+                    <a:bodyPr/>
+                    <a:lstStyle/>
+                    <a:p>
+                      <a:r>
+                        <a:rPr lang="pt-BR" dirty="0" smtClean="0"/>
+                        <a:t>Cidade</a:t>
+                      </a:r>
+                      <a:endParaRPr lang="pt-BR" dirty="0"/>
+                    </a:p>
+                  </a:txBody>
+                  <a:tcPr/>
+                </a:tc>
+                <a:tc>
+                  <a:txBody>
+                    <a:bodyPr/>
+                    <a:lstStyle/>
+                    <a:p>
+                      <a:r>
+                        <a:rPr lang="pt-BR" dirty="0" err="1" smtClean="0"/>
+                        <a:t>Varchar</a:t>
+                      </a:r>
+                      <a:r>
+                        <a:rPr lang="pt-BR" dirty="0" smtClean="0"/>
+                        <a:t>(100)</a:t>
+                      </a:r>
+                      <a:endParaRPr lang="pt-BR" dirty="0"/>
+                    </a:p>
+                  </a:txBody>
+                  <a:tcPr/>
+                </a:tc>
+                <a:tc>
+                  <a:txBody>
+                    <a:bodyPr/>
+                    <a:lstStyle/>
+                    <a:p>
+                      <a:endParaRPr lang="pt-BR" dirty="0"/>
+                    </a:p>
+                  </a:txBody>
+                  <a:tcPr/>
+                </a:tc>
+                <a:extLst>
+                  <a:ext uri="{0D108BD9-81ED-4DB2-BD59-A6C34878D82A}">
+                    <a16:rowId xmlns:a16="http://schemas.microsoft.com/office/drawing/2014/main" val="1929395480"/>
+                  </a:ext>
+                </a:extLst>
+              </a:tr>
+              <a:tr h="370840">
+                <a:tc>
+                  <a:txBody>
+                    <a:bodyPr/>
+                    <a:lstStyle/>
+                    <a:p>
+                      <a:r>
+                        <a:rPr lang="pt-BR" dirty="0" err="1" smtClean="0"/>
+                        <a:t>EstadoSigla</a:t>
+                      </a:r>
+                      <a:endParaRPr lang="pt-BR" dirty="0"/>
+                    </a:p>
+                  </a:txBody>
+                  <a:tcPr/>
+                </a:tc>
+                <a:tc>
+                  <a:txBody>
+                    <a:bodyPr/>
+                    <a:lstStyle/>
+                    <a:p>
+                      <a:r>
+                        <a:rPr lang="pt-BR" dirty="0" err="1" smtClean="0"/>
+                        <a:t>Varchar</a:t>
+                      </a:r>
+                      <a:r>
+                        <a:rPr lang="pt-BR" dirty="0" smtClean="0"/>
+                        <a:t>(2)</a:t>
+                      </a:r>
+                      <a:endParaRPr lang="pt-BR" dirty="0"/>
+                    </a:p>
+                  </a:txBody>
+                  <a:tcPr/>
+                </a:tc>
+                <a:tc>
+                  <a:txBody>
+                    <a:bodyPr/>
+                    <a:lstStyle/>
+                    <a:p>
+                      <a:endParaRPr lang="pt-BR" dirty="0"/>
+                    </a:p>
+                  </a:txBody>
+                  <a:tcPr/>
+                </a:tc>
+                <a:extLst>
+                  <a:ext uri="{0D108BD9-81ED-4DB2-BD59-A6C34878D82A}">
+                    <a16:rowId xmlns:a16="http://schemas.microsoft.com/office/drawing/2014/main" val="2940149528"/>
+                  </a:ext>
+                </a:extLst>
+              </a:tr>
+              <a:tr h="370840">
+                <a:tc>
+                  <a:txBody>
+                    <a:bodyPr/>
+                    <a:lstStyle/>
+                    <a:p>
+                      <a:r>
+                        <a:rPr lang="pt-BR" dirty="0" smtClean="0"/>
+                        <a:t>Telefone</a:t>
+                      </a:r>
+                      <a:endParaRPr lang="pt-BR" dirty="0"/>
+                    </a:p>
+                  </a:txBody>
+                  <a:tcPr/>
+                </a:tc>
+                <a:tc>
+                  <a:txBody>
+                    <a:bodyPr/>
+                    <a:lstStyle/>
+                    <a:p>
+                      <a:r>
+                        <a:rPr lang="pt-BR" dirty="0" err="1" smtClean="0"/>
+                        <a:t>Varchar</a:t>
+                      </a:r>
+                      <a:r>
+                        <a:rPr lang="pt-BR" dirty="0" smtClean="0"/>
+                        <a:t>(40)</a:t>
+                      </a:r>
+                      <a:endParaRPr lang="pt-BR" dirty="0"/>
+                    </a:p>
+                  </a:txBody>
+                  <a:tcPr/>
+                </a:tc>
+                <a:tc>
+                  <a:txBody>
+                    <a:bodyPr/>
+                    <a:lstStyle/>
+                    <a:p>
+                      <a:endParaRPr lang="pt-BR" dirty="0"/>
+                    </a:p>
+                  </a:txBody>
+                  <a:tcPr/>
+                </a:tc>
+                <a:extLst>
+                  <a:ext uri="{0D108BD9-81ED-4DB2-BD59-A6C34878D82A}">
+                    <a16:rowId xmlns:a16="http://schemas.microsoft.com/office/drawing/2014/main" val="1116382274"/>
+                  </a:ext>
+                </a:extLst>
+              </a:tr>
+              <a:tr h="370840">
+                <a:tc>
+                  <a:txBody>
+                    <a:bodyPr/>
+                    <a:lstStyle/>
+                    <a:p>
+                      <a:r>
+                        <a:rPr lang="pt-BR" dirty="0" smtClean="0"/>
+                        <a:t>CNPJ</a:t>
+                      </a:r>
+                      <a:endParaRPr lang="pt-BR" dirty="0"/>
+                    </a:p>
+                  </a:txBody>
+                  <a:tcPr/>
+                </a:tc>
+                <a:tc>
+                  <a:txBody>
+                    <a:bodyPr/>
+                    <a:lstStyle/>
+                    <a:p>
+                      <a:r>
+                        <a:rPr lang="pt-BR" dirty="0" err="1" smtClean="0"/>
+                        <a:t>Varchar</a:t>
+                      </a:r>
+                      <a:r>
+                        <a:rPr lang="pt-BR" dirty="0" smtClean="0"/>
+                        <a:t>(18)</a:t>
+                      </a:r>
+                      <a:endParaRPr lang="pt-BR" dirty="0"/>
+                    </a:p>
+                  </a:txBody>
+                  <a:tcPr/>
+                </a:tc>
+                <a:tc>
+                  <a:txBody>
+                    <a:bodyPr/>
+                    <a:lstStyle/>
+                    <a:p>
+                      <a:r>
+                        <a:rPr lang="pt-BR" dirty="0" err="1" smtClean="0"/>
+                        <a:t>Unique</a:t>
+                      </a:r>
+                      <a:endParaRPr lang="pt-BR" dirty="0"/>
+                    </a:p>
+                  </a:txBody>
+                  <a:tcPr/>
+                </a:tc>
+                <a:extLst>
+                  <a:ext uri="{0D108BD9-81ED-4DB2-BD59-A6C34878D82A}">
+                    <a16:rowId xmlns:a16="http://schemas.microsoft.com/office/drawing/2014/main" val="2782420434"/>
+                  </a:ext>
+                </a:extLst>
+              </a:tr>
+            </a:tbl>
+          </a:graphicData>
+        </a:graphic>
+      </p:graphicFrame>
+      <p:sp>
+        <p:nvSpPr>
+          <p:cNvPr id="11" name="Título 1">
+            <a:extLst>
+              <a:ext uri="{FF2B5EF4-FFF2-40B4-BE49-F238E27FC236}">
+                <a16:creationId xmlns:a16="http://schemas.microsoft.com/office/drawing/2014/main" id="{0229AC0A-F8EF-158B-5D49-B06E1612EEDE}"/>
+              </a:ext>
+            </a:extLst>
+          </p:cNvPr>
+          <p:cNvSpPr txBox="1">
+            <a:spLocks/>
+          </p:cNvSpPr>
+          <p:nvPr/>
+        </p:nvSpPr>
+        <p:spPr>
+          <a:xfrm>
+            <a:off x="468503" y="763524"/>
+            <a:ext cx="10517176" cy="1527048"/>
+          </a:xfrm>
+          <a:prstGeom prst="rect">
+            <a:avLst/>
+          </a:prstGeom>
+        </p:spPr>
+        <p:txBody>
+          <a:bodyPr vert="horz" lIns="91440" tIns="45720" rIns="91440" bIns="45720" rtlCol="0" anchor="b">
+            <a:normAutofit/>
+          </a:bodyPr>
+          <a:lstStyle>
+            <a:lvl1pPr algn="l" defTabSz="914400" rtl="0" eaLnBrk="1" latinLnBrk="0" hangingPunct="1">
+              <a:lnSpc>
+                <a:spcPct val="90000"/>
+              </a:lnSpc>
+              <a:spcBef>
+                <a:spcPct val="0"/>
+              </a:spcBef>
+              <a:buNone/>
+              <a:defRPr sz="3600" b="1" kern="1200">
+                <a:solidFill>
+                  <a:schemeClr val="tx1"/>
+                </a:solidFill>
+                <a:latin typeface="+mj-lt"/>
+                <a:ea typeface="+mj-ea"/>
+                <a:cs typeface="+mj-cs"/>
+              </a:defRPr>
+            </a:lvl1pPr>
+          </a:lstStyle>
+          <a:p>
+            <a:pPr>
+              <a:spcBef>
+                <a:spcPts val="2500"/>
+              </a:spcBef>
+            </a:pPr>
+            <a:r>
+              <a:rPr lang="pt-BR" sz="1600" dirty="0">
+                <a:latin typeface="Arial" panose="020B0604020202020204" pitchFamily="34" charset="0"/>
+                <a:cs typeface="Arial" panose="020B0604020202020204" pitchFamily="34" charset="0"/>
+              </a:rPr>
+              <a:t>Tabela </a:t>
+            </a:r>
+            <a:r>
+              <a:rPr lang="pt-BR" sz="1600" dirty="0" smtClean="0">
+                <a:latin typeface="Arial" panose="020B0604020202020204" pitchFamily="34" charset="0"/>
+                <a:cs typeface="Arial" panose="020B0604020202020204" pitchFamily="34" charset="0"/>
+              </a:rPr>
+              <a:t>Secretaria</a:t>
+            </a:r>
+            <a:endParaRPr lang="pt-BR" sz="1600" dirty="0">
+              <a:latin typeface="Arial" panose="020B0604020202020204" pitchFamily="34" charset="0"/>
+              <a:cs typeface="Arial" panose="020B0604020202020204" pitchFamily="34" charset="0"/>
+            </a:endParaRPr>
+          </a:p>
+        </p:txBody>
+      </p:sp>
+    </p:spTree>
+    <p:extLst>
+      <p:ext uri="{BB962C8B-B14F-4D97-AF65-F5344CB8AC3E}">
+        <p14:creationId xmlns:p14="http://schemas.microsoft.com/office/powerpoint/2010/main" val="768379032"/>
+      </p:ext>
+    </p:extLst>
+  </p:cSld>
+  <p:clrMapOvr>
+    <a:masterClrMapping/>
+  </p:clrMapOvr>
+  <p:transition>
+    <p:fade/>
+  </p:transition>
+  <p:timing>
+    <p:tnLst>
+      <p:par>
+        <p:cTn id="1" dur="indefinite" restart="never" nodeType="tmRoot"/>
+      </p:par>
+    </p:tnLst>
+  </p:timing>
+</p:sld>
+</file>
+
 <file path=ppt/slides/slide18.xml><?xml version="1.0" encoding="utf-8"?>
 <p:sld xmlns:a="http://schemas.openxmlformats.org/drawingml/2006/main" xmlns:r="http://schemas.openxmlformats.org/officeDocument/2006/relationships" xmlns:p="http://schemas.openxmlformats.org/presentationml/2006/main">
   <p:cSld>
@@ -13249,7 +13586,7 @@
                 <a16:creationId xmlns:a16="http://schemas.microsoft.com/office/drawing/2014/main" id="{8450EF29-A29A-9417-2B09-074C04064425}"/>
               </a:ext>
               <a:ext uri="{C183D7F6-B498-43B3-948B-1728B52AA6E4}">
-                <adec:decorative xmlns="" xmlns:adec="http://schemas.microsoft.com/office/drawing/2017/decorative" val="1"/>
+                <adec:decorative xmlns:adec="http://schemas.microsoft.com/office/drawing/2017/decorative" xmlns="" val="1"/>
               </a:ext>
             </a:extLst>
           </p:cNvPr>
@@ -13957,7 +14294,7 @@
                 <a16:creationId xmlns:a16="http://schemas.microsoft.com/office/drawing/2014/main" id="{8450EF29-A29A-9417-2B09-074C04064425}"/>
               </a:ext>
               <a:ext uri="{C183D7F6-B498-43B3-948B-1728B52AA6E4}">
-                <adec:decorative xmlns="" xmlns:adec="http://schemas.microsoft.com/office/drawing/2017/decorative" val="1"/>
+                <adec:decorative xmlns:adec="http://schemas.microsoft.com/office/drawing/2017/decorative" xmlns="" val="1"/>
               </a:ext>
             </a:extLst>
           </p:cNvPr>
@@ -14659,7 +14996,7 @@
                 <a16:creationId xmlns:a16="http://schemas.microsoft.com/office/drawing/2014/main" id="{5E8D3B17-7638-DFD3-18E4-8A6D611749CF}"/>
               </a:ext>
               <a:ext uri="{C183D7F6-B498-43B3-948B-1728B52AA6E4}">
-                <adec:decorative xmlns="" xmlns:adec="http://schemas.microsoft.com/office/drawing/2017/decorative" val="1"/>
+                <adec:decorative xmlns:adec="http://schemas.microsoft.com/office/drawing/2017/decorative" xmlns="" val="1"/>
               </a:ext>
             </a:extLst>
           </p:cNvPr>
@@ -14868,7 +15205,7 @@
             <p:ph sz="half" idx="2"/>
             <p:extLst>
               <p:ext uri="{E7BDC344-281C-4309-B0C6-D0EE65EED2A8}">
-                <p202:designPr xmlns="" xmlns:p202="http://schemas.microsoft.com/office/powerpoint/2020/02/main">
+                <p202:designPr xmlns:p202="http://schemas.microsoft.com/office/powerpoint/2020/02/main" xmlns="">
                   <p202:designTagLst>
                     <p202:designTag name="ARCH:1:CLS" val="InformationBlock"/>
                     <p202:designTag name="ARCH:1:VSVAR" val="TitledTextBox"/>
@@ -15120,7 +15457,7 @@
                 <a16:creationId xmlns:a16="http://schemas.microsoft.com/office/drawing/2014/main" id="{5E8D3B17-7638-DFD3-18E4-8A6D611749CF}"/>
               </a:ext>
               <a:ext uri="{C183D7F6-B498-43B3-948B-1728B52AA6E4}">
-                <adec:decorative xmlns="" xmlns:adec="http://schemas.microsoft.com/office/drawing/2017/decorative" val="1"/>
+                <adec:decorative xmlns:adec="http://schemas.microsoft.com/office/drawing/2017/decorative" xmlns="" val="1"/>
               </a:ext>
             </a:extLst>
           </p:cNvPr>
@@ -15280,7 +15617,7 @@
                 <a16:creationId xmlns:a16="http://schemas.microsoft.com/office/drawing/2014/main" id="{5E8D3B17-7638-DFD3-18E4-8A6D611749CF}"/>
               </a:ext>
               <a:ext uri="{C183D7F6-B498-43B3-948B-1728B52AA6E4}">
-                <adec:decorative xmlns="" xmlns:adec="http://schemas.microsoft.com/office/drawing/2017/decorative" val="1"/>
+                <adec:decorative xmlns:adec="http://schemas.microsoft.com/office/drawing/2017/decorative" xmlns="" val="1"/>
               </a:ext>
             </a:extLst>
           </p:cNvPr>
@@ -15524,7 +15861,7 @@
                 <a16:creationId xmlns:a16="http://schemas.microsoft.com/office/drawing/2014/main" id="{5E8D3B17-7638-DFD3-18E4-8A6D611749CF}"/>
               </a:ext>
               <a:ext uri="{C183D7F6-B498-43B3-948B-1728B52AA6E4}">
-                <adec:decorative xmlns="" xmlns:adec="http://schemas.microsoft.com/office/drawing/2017/decorative" val="1"/>
+                <adec:decorative xmlns:adec="http://schemas.microsoft.com/office/drawing/2017/decorative" xmlns="" val="1"/>
               </a:ext>
             </a:extLst>
           </p:cNvPr>
@@ -16536,7 +16873,7 @@
                 <a16:creationId xmlns:a16="http://schemas.microsoft.com/office/drawing/2014/main" id="{5E8D3B17-7638-DFD3-18E4-8A6D611749CF}"/>
               </a:ext>
               <a:ext uri="{C183D7F6-B498-43B3-948B-1728B52AA6E4}">
-                <adec:decorative xmlns="" xmlns:adec="http://schemas.microsoft.com/office/drawing/2017/decorative" val="1"/>
+                <adec:decorative xmlns:adec="http://schemas.microsoft.com/office/drawing/2017/decorative" xmlns="" val="1"/>
               </a:ext>
             </a:extLst>
           </p:cNvPr>
@@ -17267,7 +17604,7 @@
                 <a16:creationId xmlns:a16="http://schemas.microsoft.com/office/drawing/2014/main" id="{5E8D3B17-7638-DFD3-18E4-8A6D611749CF}"/>
               </a:ext>
               <a:ext uri="{C183D7F6-B498-43B3-948B-1728B52AA6E4}">
-                <adec:decorative xmlns="" xmlns:adec="http://schemas.microsoft.com/office/drawing/2017/decorative" val="1"/>
+                <adec:decorative xmlns:adec="http://schemas.microsoft.com/office/drawing/2017/decorative" xmlns="" val="1"/>
               </a:ext>
             </a:extLst>
           </p:cNvPr>
@@ -18134,7 +18471,7 @@
                 <a16:creationId xmlns:a16="http://schemas.microsoft.com/office/drawing/2014/main" id="{5E8D3B17-7638-DFD3-18E4-8A6D611749CF}"/>
               </a:ext>
               <a:ext uri="{C183D7F6-B498-43B3-948B-1728B52AA6E4}">
-                <adec:decorative xmlns="" xmlns:adec="http://schemas.microsoft.com/office/drawing/2017/decorative" val="1"/>
+                <adec:decorative xmlns:adec="http://schemas.microsoft.com/office/drawing/2017/decorative" xmlns="" val="1"/>
               </a:ext>
             </a:extLst>
           </p:cNvPr>
@@ -18271,7 +18608,7 @@
             <p:ph sz="half" idx="2"/>
             <p:extLst>
               <p:ext uri="{E7BDC344-281C-4309-B0C6-D0EE65EED2A8}">
-                <p202:designPr xmlns="" xmlns:p202="http://schemas.microsoft.com/office/powerpoint/2020/02/main">
+                <p202:designPr xmlns:p202="http://schemas.microsoft.com/office/powerpoint/2020/02/main" xmlns="">
                   <p202:designTagLst>
                     <p202:designTag name="ARCH:1:CLS" val="InformationBlock"/>
                     <p202:designTag name="ARCH:1:VSVAR" val="TitledTextBox"/>
@@ -18497,7 +18834,7 @@
                 <a16:creationId xmlns:a16="http://schemas.microsoft.com/office/drawing/2014/main" id="{5E8D3B17-7638-DFD3-18E4-8A6D611749CF}"/>
               </a:ext>
               <a:ext uri="{C183D7F6-B498-43B3-948B-1728B52AA6E4}">
-                <adec:decorative xmlns="" xmlns:adec="http://schemas.microsoft.com/office/drawing/2017/decorative" val="1"/>
+                <adec:decorative xmlns:adec="http://schemas.microsoft.com/office/drawing/2017/decorative" xmlns="" val="1"/>
               </a:ext>
             </a:extLst>
           </p:cNvPr>
@@ -18624,7 +18961,7 @@
             <p:ph sz="half" idx="2"/>
             <p:extLst>
               <p:ext uri="{E7BDC344-281C-4309-B0C6-D0EE65EED2A8}">
-                <p202:designPr xmlns="" xmlns:p202="http://schemas.microsoft.com/office/powerpoint/2020/02/main">
+                <p202:designPr xmlns:p202="http://schemas.microsoft.com/office/powerpoint/2020/02/main" xmlns="">
                   <p202:designTagLst>
                     <p202:designTag name="ARCH:1:CLS" val="InformationBlock"/>
                     <p202:designTag name="ARCH:1:VSVAR" val="TitledTextBox"/>
@@ -18941,7 +19278,7 @@
                 <a16:creationId xmlns:a16="http://schemas.microsoft.com/office/drawing/2014/main" id="{E1D40FB4-97DC-F5FF-9E7A-C10E078A1532}"/>
               </a:ext>
               <a:ext uri="{C183D7F6-B498-43B3-948B-1728B52AA6E4}">
-                <adec:decorative xmlns="" xmlns:adec="http://schemas.microsoft.com/office/drawing/2017/decorative" val="1"/>
+                <adec:decorative xmlns:adec="http://schemas.microsoft.com/office/drawing/2017/decorative" xmlns="" val="1"/>
               </a:ext>
             </a:extLst>
           </p:cNvPr>
@@ -19071,7 +19408,7 @@
             <p:ph sz="half" idx="2"/>
             <p:extLst>
               <p:ext uri="{E7BDC344-281C-4309-B0C6-D0EE65EED2A8}">
-                <p202:designPr xmlns="" xmlns:p202="http://schemas.microsoft.com/office/powerpoint/2020/02/main">
+                <p202:designPr xmlns:p202="http://schemas.microsoft.com/office/powerpoint/2020/02/main" xmlns="">
                   <p202:designTagLst>
                     <p202:designTag name="ARCH:1:CLS" val="InformationBlock"/>
                     <p202:designTag name="ARCH:1:VSVAR" val="TitledTextBox"/>
@@ -19329,7 +19666,7 @@
                 <a16:creationId xmlns:a16="http://schemas.microsoft.com/office/drawing/2014/main" id="{A51D6A68-C3BD-3399-CCA8-A7290FC8E09C}"/>
               </a:ext>
               <a:ext uri="{C183D7F6-B498-43B3-948B-1728B52AA6E4}">
-                <adec:decorative xmlns="" xmlns:adec="http://schemas.microsoft.com/office/drawing/2017/decorative" val="1"/>
+                <adec:decorative xmlns:adec="http://schemas.microsoft.com/office/drawing/2017/decorative" xmlns="" val="1"/>
               </a:ext>
             </a:extLst>
           </p:cNvPr>
@@ -19457,7 +19794,7 @@
             <p:ph sz="half" idx="2"/>
             <p:extLst>
               <p:ext uri="{E7BDC344-281C-4309-B0C6-D0EE65EED2A8}">
-                <p202:designPr xmlns="" xmlns:p202="http://schemas.microsoft.com/office/powerpoint/2020/02/main">
+                <p202:designPr xmlns:p202="http://schemas.microsoft.com/office/powerpoint/2020/02/main" xmlns="">
                   <p202:designTagLst>
                     <p202:designTag name="ARCH:1:CLS" val="InformationBlock"/>
                     <p202:designTag name="ARCH:1:VSVAR" val="TitledTextBox"/>
@@ -19715,7 +20052,7 @@
                 <a16:creationId xmlns:a16="http://schemas.microsoft.com/office/drawing/2014/main" id="{7F39A533-5E9C-439F-5CF1-06FFAB778C1F}"/>
               </a:ext>
               <a:ext uri="{C183D7F6-B498-43B3-948B-1728B52AA6E4}">
-                <adec:decorative xmlns="" xmlns:adec="http://schemas.microsoft.com/office/drawing/2017/decorative" val="1"/>
+                <adec:decorative xmlns:adec="http://schemas.microsoft.com/office/drawing/2017/decorative" xmlns="" val="1"/>
               </a:ext>
             </a:extLst>
           </p:cNvPr>
@@ -19843,7 +20180,7 @@
             <p:ph sz="half" idx="2"/>
             <p:extLst>
               <p:ext uri="{E7BDC344-281C-4309-B0C6-D0EE65EED2A8}">
-                <p202:designPr xmlns="" xmlns:p202="http://schemas.microsoft.com/office/powerpoint/2020/02/main">
+                <p202:designPr xmlns:p202="http://schemas.microsoft.com/office/powerpoint/2020/02/main" xmlns="">
                   <p202:designTagLst>
                     <p202:designTag name="ARCH:1:CLS" val="InformationBlock"/>
                     <p202:designTag name="ARCH:1:VSVAR" val="TitledTextBox"/>
@@ -20116,7 +20453,7 @@
                 <a16:creationId xmlns:a16="http://schemas.microsoft.com/office/drawing/2014/main" id="{A82A2D76-411A-C189-4AD9-642686996848}"/>
               </a:ext>
               <a:ext uri="{C183D7F6-B498-43B3-948B-1728B52AA6E4}">
-                <adec:decorative xmlns="" xmlns:adec="http://schemas.microsoft.com/office/drawing/2017/decorative" val="1"/>
+                <adec:decorative xmlns:adec="http://schemas.microsoft.com/office/drawing/2017/decorative" xmlns="" val="1"/>
               </a:ext>
             </a:extLst>
           </p:cNvPr>
@@ -20244,7 +20581,7 @@
             <p:ph sz="half" idx="2"/>
             <p:extLst>
               <p:ext uri="{E7BDC344-281C-4309-B0C6-D0EE65EED2A8}">
-                <p202:designPr xmlns="" xmlns:p202="http://schemas.microsoft.com/office/powerpoint/2020/02/main">
+                <p202:designPr xmlns:p202="http://schemas.microsoft.com/office/powerpoint/2020/02/main" xmlns="">
                   <p202:designTagLst>
                     <p202:designTag name="ARCH:1:CLS" val="InformationBlock"/>
                     <p202:designTag name="ARCH:1:VSVAR" val="TitledTextBox"/>
@@ -20505,7 +20842,7 @@
                 <a16:creationId xmlns:a16="http://schemas.microsoft.com/office/drawing/2014/main" id="{E482AA53-DA69-E258-8B64-8F8CE86FCDD4}"/>
               </a:ext>
               <a:ext uri="{C183D7F6-B498-43B3-948B-1728B52AA6E4}">
-                <adec:decorative xmlns="" xmlns:adec="http://schemas.microsoft.com/office/drawing/2017/decorative" val="1"/>
+                <adec:decorative xmlns:adec="http://schemas.microsoft.com/office/drawing/2017/decorative" xmlns="" val="1"/>
               </a:ext>
             </a:extLst>
           </p:cNvPr>
@@ -20633,7 +20970,7 @@
             <p:ph sz="half" idx="2"/>
             <p:extLst>
               <p:ext uri="{E7BDC344-281C-4309-B0C6-D0EE65EED2A8}">
-                <p202:designPr xmlns="" xmlns:p202="http://schemas.microsoft.com/office/powerpoint/2020/02/main">
+                <p202:designPr xmlns:p202="http://schemas.microsoft.com/office/powerpoint/2020/02/main" xmlns="">
                   <p202:designTagLst>
                     <p202:designTag name="ARCH:1:CLS" val="InformationBlock"/>
                     <p202:designTag name="ARCH:1:VSVAR" val="TitledTextBox"/>
@@ -20886,7 +21223,7 @@
         <p:cNvPr id="1" name="">
           <a:extLst>
             <a:ext uri="{FF2B5EF4-FFF2-40B4-BE49-F238E27FC236}">
-              <a16:creationId xmlns:a16="http://schemas.microsoft.com/office/drawing/2014/main" id="{1EB7B05E-3C40-604A-1697-552185178BF7}"/>
+              <a16:creationId xmlns:a16="http://schemas.microsoft.com/office/drawing/2014/main" id="{D42A7F83-F982-A2B6-8BDD-90AB35D5F33D}"/>
             </a:ext>
           </a:extLst>
         </p:cNvPr>
@@ -20906,10 +21243,10 @@
           <p:cNvPr id="10" name="Rectangle 9">
             <a:extLst>
               <a:ext uri="{FF2B5EF4-FFF2-40B4-BE49-F238E27FC236}">
-                <a16:creationId xmlns:a16="http://schemas.microsoft.com/office/drawing/2014/main" id="{5C27E16A-554C-D4AC-900E-AA69DDAEDE03}"/>
+                <a16:creationId xmlns:a16="http://schemas.microsoft.com/office/drawing/2014/main" id="{74EA76C7-8C08-E029-0E79-750B71C94A62}"/>
               </a:ext>
               <a:ext uri="{C183D7F6-B498-43B3-948B-1728B52AA6E4}">
-                <adec:decorative xmlns="" xmlns:adec="http://schemas.microsoft.com/office/drawing/2017/decorative" val="1"/>
+                <adec:decorative xmlns:adec="http://schemas.microsoft.com/office/drawing/2017/decorative" xmlns="" val="1"/>
               </a:ext>
             </a:extLst>
           </p:cNvPr>
@@ -20982,7 +21319,7 @@
           <p:cNvPr id="2" name="Título 1">
             <a:extLst>
               <a:ext uri="{FF2B5EF4-FFF2-40B4-BE49-F238E27FC236}">
-                <a16:creationId xmlns:a16="http://schemas.microsoft.com/office/drawing/2014/main" id="{611FD698-770F-206D-5FFE-5D2624828654}"/>
+                <a16:creationId xmlns:a16="http://schemas.microsoft.com/office/drawing/2014/main" id="{86EF25F5-F22F-2CF9-C788-AA2BDEC6E570}"/>
               </a:ext>
             </a:extLst>
           </p:cNvPr>
@@ -21016,8 +21353,19 @@
                 <a:latin typeface="Arial" panose="020B0604020202020204" pitchFamily="34" charset="0"/>
                 <a:cs typeface="Arial" panose="020B0604020202020204" pitchFamily="34" charset="0"/>
               </a:rPr>
-              <a:t>Controle de Usuários e Permissões:</a:t>
-            </a:r>
+              <a:t>Resum</a:t>
+            </a:r>
+            <a:r>
+              <a:rPr lang="pt-BR" dirty="0">
+                <a:latin typeface="Arial" panose="020B0604020202020204" pitchFamily="34" charset="0"/>
+                <a:cs typeface="Arial" panose="020B0604020202020204" pitchFamily="34" charset="0"/>
+              </a:rPr>
+              <a:t>o do Fluxo do Sistema</a:t>
+            </a:r>
+            <a:endParaRPr lang="pt-BR" sz="3600" dirty="0">
+              <a:latin typeface="Arial" panose="020B0604020202020204" pitchFamily="34" charset="0"/>
+              <a:cs typeface="Arial" panose="020B0604020202020204" pitchFamily="34" charset="0"/>
+            </a:endParaRPr>
           </a:p>
         </p:txBody>
       </p:sp>
@@ -21026,7 +21374,7 @@
           <p:cNvPr id="4" name="Espaço Reservado para Conteúdo 3">
             <a:extLst>
               <a:ext uri="{FF2B5EF4-FFF2-40B4-BE49-F238E27FC236}">
-                <a16:creationId xmlns:a16="http://schemas.microsoft.com/office/drawing/2014/main" id="{7630D680-D32A-9F14-6156-D8028BE7C584}"/>
+                <a16:creationId xmlns:a16="http://schemas.microsoft.com/office/drawing/2014/main" id="{784F39B7-8DF3-EF44-7DC3-3046CC72137C}"/>
               </a:ext>
             </a:extLst>
           </p:cNvPr>
@@ -21037,7 +21385,7 @@
             <p:ph sz="half" idx="2"/>
             <p:extLst>
               <p:ext uri="{E7BDC344-281C-4309-B0C6-D0EE65EED2A8}">
-                <p202:designPr xmlns="" xmlns:p202="http://schemas.microsoft.com/office/powerpoint/2020/02/main">
+                <p202:designPr xmlns:p202="http://schemas.microsoft.com/office/powerpoint/2020/02/main" xmlns="">
                   <p202:designTagLst>
                     <p202:designTag name="ARCH:1:CLS" val="InformationBlock"/>
                     <p202:designTag name="ARCH:1:VSVAR" val="TitledTextBox"/>
@@ -21059,63 +21407,83 @@
           </a:bodyPr>
           <a:lstStyle/>
           <a:p>
-            <a:pPr marL="0" indent="0">
+            <a:pPr marL="342900" indent="-342900">
               <a:spcBef>
                 <a:spcPts val="2500"/>
               </a:spcBef>
-              <a:buNone/>
+              <a:buFont typeface="+mj-lt"/>
+              <a:buAutoNum type="arabicPeriod"/>
             </a:pPr>
             <a:r>
               <a:rPr lang="pt-BR" sz="1600" dirty="0">
                 <a:latin typeface="Arial" panose="020B0604020202020204" pitchFamily="34" charset="0"/>
                 <a:cs typeface="Arial" panose="020B0604020202020204" pitchFamily="34" charset="0"/>
               </a:rPr>
-              <a:t>O sistema deve permitir diferentes níveis de acesso:</a:t>
-            </a:r>
-          </a:p>
-          <a:p>
-            <a:pPr marL="0" indent="0">
+              <a:t>O almoxarifado cadastra novos materiais no sistema.</a:t>
+            </a:r>
+          </a:p>
+          <a:p>
+            <a:pPr marL="342900" indent="-342900">
               <a:spcBef>
                 <a:spcPts val="2500"/>
               </a:spcBef>
-              <a:buNone/>
+              <a:buFont typeface="+mj-lt"/>
+              <a:buAutoNum type="arabicPeriod"/>
             </a:pPr>
             <a:r>
               <a:rPr lang="pt-BR" sz="1600" dirty="0">
                 <a:latin typeface="Arial" panose="020B0604020202020204" pitchFamily="34" charset="0"/>
                 <a:cs typeface="Arial" panose="020B0604020202020204" pitchFamily="34" charset="0"/>
               </a:rPr>
-              <a:t>Administradores: Acesso total ao sistema.</a:t>
-            </a:r>
-          </a:p>
-          <a:p>
-            <a:pPr marL="0" indent="0">
+              <a:t>A secretaria solicita materiais necessários para suas atividades.</a:t>
+            </a:r>
+          </a:p>
+          <a:p>
+            <a:pPr marL="342900" indent="-342900">
               <a:spcBef>
                 <a:spcPts val="2500"/>
               </a:spcBef>
-              <a:buNone/>
+              <a:buFont typeface="+mj-lt"/>
+              <a:buAutoNum type="arabicPeriod"/>
             </a:pPr>
             <a:r>
               <a:rPr lang="pt-BR" sz="1600" dirty="0">
                 <a:latin typeface="Arial" panose="020B0604020202020204" pitchFamily="34" charset="0"/>
                 <a:cs typeface="Arial" panose="020B0604020202020204" pitchFamily="34" charset="0"/>
               </a:rPr>
-              <a:t>Almoxarifes: Controle de estoque e movimentações.</a:t>
-            </a:r>
-          </a:p>
-          <a:p>
-            <a:pPr marL="0" indent="0">
+              <a:t>O almoxarifado avalia o pedido e realiza a separação do material solicitado.</a:t>
+            </a:r>
+          </a:p>
+          <a:p>
+            <a:pPr marL="342900" indent="-342900">
               <a:spcBef>
                 <a:spcPts val="2500"/>
               </a:spcBef>
-              <a:buNone/>
+              <a:buFont typeface="+mj-lt"/>
+              <a:buAutoNum type="arabicPeriod"/>
             </a:pPr>
             <a:r>
               <a:rPr lang="pt-BR" sz="1600" dirty="0">
                 <a:latin typeface="Arial" panose="020B0604020202020204" pitchFamily="34" charset="0"/>
                 <a:cs typeface="Arial" panose="020B0604020202020204" pitchFamily="34" charset="0"/>
               </a:rPr>
-              <a:t>Solicitantes (Secretarias): Apenas solicitação de materiais e consulta de status.</a:t>
+              <a:t>Após a entrega, o sistema atualiza o estoque e emite o comprovante da movimentação.</a:t>
+            </a:r>
+          </a:p>
+          <a:p>
+            <a:pPr marL="342900" indent="-342900">
+              <a:spcBef>
+                <a:spcPts val="2500"/>
+              </a:spcBef>
+              <a:buFont typeface="+mj-lt"/>
+              <a:buAutoNum type="arabicPeriod"/>
+            </a:pPr>
+            <a:r>
+              <a:rPr lang="pt-BR" sz="1600" dirty="0">
+                <a:latin typeface="Arial" panose="020B0604020202020204" pitchFamily="34" charset="0"/>
+                <a:cs typeface="Arial" panose="020B0604020202020204" pitchFamily="34" charset="0"/>
+              </a:rPr>
+              <a:t>Relatórios são gerados periodicamente para prestação de contas e auditoria interna.</a:t>
             </a:r>
           </a:p>
         </p:txBody>
@@ -21123,7 +21491,7 @@
     </p:spTree>
     <p:extLst>
       <p:ext uri="{BB962C8B-B14F-4D97-AF65-F5344CB8AC3E}">
-        <p14:creationId xmlns:p14="http://schemas.microsoft.com/office/powerpoint/2010/main" val="991382767"/>
+        <p14:creationId xmlns:p14="http://schemas.microsoft.com/office/powerpoint/2010/main" val="1612116557"/>
       </p:ext>
     </p:extLst>
   </p:cSld>
